--- a/fremantleHandover.pptx
+++ b/fremantleHandover.pptx
@@ -5,7 +5,7 @@
     <p:sldMasterId id="2147483648" r:id="rId4"/>
   </p:sldMasterIdLst>
   <p:notesMasterIdLst>
-    <p:notesMasterId r:id="rId57"/>
+    <p:notesMasterId r:id="rId56"/>
   </p:notesMasterIdLst>
   <p:sldIdLst>
     <p:sldId id="256" r:id="rId5"/>
@@ -29,70 +29,69 @@
     <p:sldId id="273" r:id="rId23"/>
     <p:sldId id="281" r:id="rId24"/>
     <p:sldId id="277" r:id="rId25"/>
-    <p:sldId id="278" r:id="rId26"/>
-    <p:sldId id="279" r:id="rId27"/>
-    <p:sldId id="280" r:id="rId28"/>
-    <p:sldId id="283" r:id="rId29"/>
-    <p:sldId id="288" r:id="rId30"/>
-    <p:sldId id="289" r:id="rId31"/>
-    <p:sldId id="290" r:id="rId32"/>
-    <p:sldId id="284" r:id="rId33"/>
-    <p:sldId id="291" r:id="rId34"/>
-    <p:sldId id="293" r:id="rId35"/>
-    <p:sldId id="294" r:id="rId36"/>
-    <p:sldId id="295" r:id="rId37"/>
-    <p:sldId id="292" r:id="rId38"/>
-    <p:sldId id="282" r:id="rId39"/>
-    <p:sldId id="296" r:id="rId40"/>
-    <p:sldId id="297" r:id="rId41"/>
-    <p:sldId id="298" r:id="rId42"/>
-    <p:sldId id="299" r:id="rId43"/>
-    <p:sldId id="300" r:id="rId44"/>
-    <p:sldId id="287" r:id="rId45"/>
-    <p:sldId id="303" r:id="rId46"/>
-    <p:sldId id="304" r:id="rId47"/>
-    <p:sldId id="305" r:id="rId48"/>
-    <p:sldId id="306" r:id="rId49"/>
-    <p:sldId id="307" r:id="rId50"/>
-    <p:sldId id="309" r:id="rId51"/>
-    <p:sldId id="308" r:id="rId52"/>
-    <p:sldId id="313" r:id="rId53"/>
-    <p:sldId id="310" r:id="rId54"/>
-    <p:sldId id="311" r:id="rId55"/>
-    <p:sldId id="312" r:id="rId56"/>
+    <p:sldId id="279" r:id="rId26"/>
+    <p:sldId id="280" r:id="rId27"/>
+    <p:sldId id="283" r:id="rId28"/>
+    <p:sldId id="288" r:id="rId29"/>
+    <p:sldId id="289" r:id="rId30"/>
+    <p:sldId id="290" r:id="rId31"/>
+    <p:sldId id="284" r:id="rId32"/>
+    <p:sldId id="291" r:id="rId33"/>
+    <p:sldId id="293" r:id="rId34"/>
+    <p:sldId id="294" r:id="rId35"/>
+    <p:sldId id="295" r:id="rId36"/>
+    <p:sldId id="292" r:id="rId37"/>
+    <p:sldId id="282" r:id="rId38"/>
+    <p:sldId id="296" r:id="rId39"/>
+    <p:sldId id="297" r:id="rId40"/>
+    <p:sldId id="298" r:id="rId41"/>
+    <p:sldId id="299" r:id="rId42"/>
+    <p:sldId id="300" r:id="rId43"/>
+    <p:sldId id="287" r:id="rId44"/>
+    <p:sldId id="303" r:id="rId45"/>
+    <p:sldId id="304" r:id="rId46"/>
+    <p:sldId id="305" r:id="rId47"/>
+    <p:sldId id="306" r:id="rId48"/>
+    <p:sldId id="307" r:id="rId49"/>
+    <p:sldId id="309" r:id="rId50"/>
+    <p:sldId id="308" r:id="rId51"/>
+    <p:sldId id="313" r:id="rId52"/>
+    <p:sldId id="310" r:id="rId53"/>
+    <p:sldId id="311" r:id="rId54"/>
+    <p:sldId id="312" r:id="rId55"/>
   </p:sldIdLst>
   <p:sldSz cx="9144000" cy="6858000" type="screen4x3"/>
   <p:notesSz cx="6858000" cy="9144000"/>
   <p:embeddedFontLst>
     <p:embeddedFont>
       <p:font typeface="Helvetica"/>
-      <p:regular r:id="rId58"/>
-      <p:bold r:id="rId59"/>
-      <p:italic r:id="rId60"/>
-      <p:boldItalic r:id="rId61"/>
+      <p:regular r:id="rId57"/>
+      <p:bold r:id="rId58"/>
+      <p:italic r:id="rId59"/>
+      <p:boldItalic r:id="rId60"/>
     </p:embeddedFont>
     <p:embeddedFont>
       <p:font typeface="Merriweather"/>
-      <p:regular r:id="rId62"/>
-      <p:bold r:id="rId63"/>
+      <p:regular r:id="rId61"/>
+      <p:bold r:id="rId62"/>
     </p:embeddedFont>
     <p:embeddedFont>
       <p:font typeface="Wingdings 3" charset="2"/>
-      <p:regular r:id="rId64"/>
+      <p:regular r:id="rId63"/>
     </p:embeddedFont>
     <p:embeddedFont>
       <p:font typeface="Calibri"/>
-      <p:regular r:id="rId65"/>
-      <p:bold r:id="rId66"/>
-      <p:italic r:id="rId67"/>
-      <p:boldItalic r:id="rId68"/>
+      <p:regular r:id="rId64"/>
+      <p:bold r:id="rId65"/>
+      <p:italic r:id="rId66"/>
+      <p:boldItalic r:id="rId67"/>
     </p:embeddedFont>
     <p:embeddedFont>
       <p:font typeface="Georgia"/>
-      <p:regular r:id="rId69"/>
-      <p:bold r:id="rId70"/>
-      <p:italic r:id="rId71"/>
-      <p:boldItalic r:id="rId72"/>
+      <p:regular r:id="rId68"/>
+      <p:bold r:id="rId69"/>
+      <p:italic r:id="rId70"/>
+      <p:boldItalic r:id="rId71"/>
     </p:embeddedFont>
   </p:embeddedFontLst>
   <p:defaultTextStyle>
@@ -276,7 +275,7 @@
             <a:fld id="{493B2EA9-46A3-4969-8810-05F29FFD2064}" type="datetimeFigureOut">
               <a:rPr lang="en-GB" smtClean="0"/>
               <a:pPr/>
-              <a:t>6/27/12</a:t>
+              <a:t>7/16/12</a:t>
             </a:fld>
             <a:endParaRPr lang="en-GB"/>
           </a:p>
@@ -670,7 +669,10 @@
           </a:bodyPr>
           <a:lstStyle/>
           <a:p>
-            <a:endParaRPr lang="en-US"/>
+            <a:r>
+              <a:rPr lang="en-US"/>
+              <a:t>Compare the programming model of Seam vs Vaadin.</a:t>
+            </a:r>
           </a:p>
         </p:txBody>
       </p:sp>
@@ -752,6 +754,25 @@
           </a:bodyPr>
           <a:lstStyle/>
           <a:p>
+            <a:r>
+              <a:rPr lang="en-US"/>
+              <a:t>JSON Javascript</a:t>
+            </a:r>
+            <a:r>
+              <a:rPr lang="en-US" baseline="0"/>
+              <a:t> object notation.</a:t>
+            </a:r>
+          </a:p>
+          <a:p>
+            <a:endParaRPr lang="en-US" baseline="0"/>
+          </a:p>
+          <a:p>
+            <a:r>
+              <a:rPr lang="en-US" baseline="0"/>
+              <a:t>We don’t see the magic happen.</a:t>
+            </a:r>
+          </a:p>
+          <a:p>
             <a:endParaRPr lang="en-US"/>
           </a:p>
         </p:txBody>
@@ -916,7 +937,7 @@
           </a:bodyPr>
           <a:lstStyle/>
           <a:p>
-            <a:endParaRPr lang="en-US"/>
+            <a:endParaRPr lang="en-US" baseline="0"/>
           </a:p>
         </p:txBody>
       </p:sp>
@@ -998,6 +1019,15 @@
           </a:bodyPr>
           <a:lstStyle/>
           <a:p>
+            <a:r>
+              <a:rPr lang="en-US"/>
+              <a:t>Quick look at the swing app.</a:t>
+            </a:r>
+          </a:p>
+          <a:p>
+            <a:endParaRPr lang="en-US"/>
+          </a:p>
+          <a:p>
             <a:endParaRPr lang="en-US"/>
           </a:p>
         </p:txBody>
@@ -1099,7 +1129,17 @@
           <a:p>
             <a:r>
               <a:rPr lang="en-US" dirty="0" smtClean="0"/>
-              <a:t>Then :</a:t>
+              <a:t>Devs</a:t>
+            </a:r>
+            <a:r>
+              <a:rPr lang="en-US" baseline="0" dirty="0" smtClean="0"/>
+              <a:t> need to understand maven.</a:t>
+            </a:r>
+          </a:p>
+          <a:p>
+            <a:r>
+              <a:rPr lang="en-US" baseline="0" dirty="0" smtClean="0"/>
+              <a:t>Simple app uses jetty server. Our real app uses Jboss. </a:t>
             </a:r>
           </a:p>
           <a:p>
@@ -1108,17 +1148,95 @@
           <a:p>
             <a:r>
               <a:rPr lang="en-US" dirty="0" smtClean="0"/>
-              <a:t>https</a:t>
-            </a:r>
-            <a:r>
-              <a:rPr lang="en-US" dirty="0" smtClean="0"/>
-              <a:t>://</a:t>
-            </a:r>
-            <a:r>
-              <a:rPr lang="en-US" dirty="0" err="1" smtClean="0"/>
-              <a:t>github.com/philbarton/fremantleSimpleVaadin.git</a:t>
-            </a:r>
-            <a:endParaRPr lang="en-US" dirty="0"/>
+              <a:t>web.xml</a:t>
+            </a:r>
+          </a:p>
+          <a:p>
+            <a:r>
+              <a:rPr lang="en-US" dirty="0" smtClean="0"/>
+              <a:t>	Describes servlet to run</a:t>
+            </a:r>
+          </a:p>
+          <a:p>
+            <a:r>
+              <a:rPr lang="en-US" dirty="0" smtClean="0"/>
+              <a:t>	Vaadin ApplicationServlet starts up and looks for </a:t>
+            </a:r>
+          </a:p>
+          <a:p>
+            <a:r>
+              <a:rPr lang="en-US" dirty="0" smtClean="0"/>
+              <a:t>	MyVaadinApplication and runs the init method of that class.</a:t>
+            </a:r>
+          </a:p>
+          <a:p>
+            <a:r>
+              <a:rPr lang="en-US" dirty="0" smtClean="0"/>
+              <a:t>MyVaadinApplication</a:t>
+            </a:r>
+          </a:p>
+          <a:p>
+            <a:r>
+              <a:rPr lang="en-US" dirty="0" smtClean="0"/>
+              <a:t>	extends Vaadin Application</a:t>
+            </a:r>
+          </a:p>
+          <a:p>
+            <a:r>
+              <a:rPr lang="en-US" dirty="0" smtClean="0"/>
+              <a:t>	runs init method once only. </a:t>
+            </a:r>
+          </a:p>
+          <a:p>
+            <a:r>
+              <a:rPr lang="en-US" dirty="0" smtClean="0"/>
+              <a:t>	(In our full blown app runs when log in). </a:t>
+            </a:r>
+          </a:p>
+          <a:p>
+            <a:r>
+              <a:rPr lang="en-US" dirty="0" smtClean="0"/>
+              <a:t>	Need to be aware of that when dowing real dev.</a:t>
+            </a:r>
+          </a:p>
+          <a:p>
+            <a:r>
+              <a:rPr lang="en-US" dirty="0" smtClean="0"/>
+              <a:t>	(UI construction code only run at login)</a:t>
+            </a:r>
+          </a:p>
+          <a:p>
+            <a:endParaRPr lang="en-US" dirty="0" smtClean="0"/>
+          </a:p>
+          <a:p>
+            <a:r>
+              <a:rPr lang="en-US" dirty="0" smtClean="0"/>
+              <a:t>Build and run</a:t>
+            </a:r>
+          </a:p>
+          <a:p>
+            <a:r>
+              <a:rPr lang="en-US" dirty="0" smtClean="0"/>
+              <a:t>Run in debug</a:t>
+            </a:r>
+          </a:p>
+          <a:p>
+            <a:r>
+              <a:rPr lang="en-US" dirty="0" smtClean="0"/>
+              <a:t>Place breakpoint</a:t>
+            </a:r>
+          </a:p>
+          <a:p>
+            <a:r>
+              <a:rPr lang="en-US" dirty="0" smtClean="0"/>
+              <a:t>Modify code </a:t>
+            </a:r>
+          </a:p>
+          <a:p>
+            <a:r>
+              <a:rPr lang="en-US" dirty="0" smtClean="0"/>
+              <a:t>Build and run.</a:t>
+            </a:r>
           </a:p>
         </p:txBody>
       </p:sp>
@@ -1200,7 +1318,76 @@
           </a:bodyPr>
           <a:lstStyle/>
           <a:p>
+            <a:r>
+              <a:rPr lang="en-US" dirty="0"/>
+              <a:t>Another good reason for using Vaadin is the quality of</a:t>
+            </a:r>
+            <a:r>
+              <a:rPr lang="en-US" baseline="0" dirty="0"/>
+              <a:t> </a:t>
+            </a:r>
+            <a:r>
+              <a:rPr lang="en-US" dirty="0"/>
+              <a:t>documentation.</a:t>
+            </a:r>
+          </a:p>
+          <a:p>
             <a:endParaRPr lang="en-US" dirty="0"/>
+          </a:p>
+          <a:p>
+            <a:r>
+              <a:rPr lang="en-US" dirty="0"/>
+              <a:t>Add-ons </a:t>
+            </a:r>
+          </a:p>
+          <a:p>
+            <a:r>
+              <a:rPr lang="en-US" dirty="0"/>
+              <a:t>	We use</a:t>
+            </a:r>
+          </a:p>
+          <a:p>
+            <a:r>
+              <a:rPr lang="en-US" dirty="0"/>
+              <a:t>	- JPAContainer</a:t>
+            </a:r>
+          </a:p>
+          <a:p>
+            <a:r>
+              <a:rPr lang="en-US" dirty="0"/>
+              <a:t>	-</a:t>
+            </a:r>
+            <a:r>
+              <a:rPr lang="en-US" baseline="0" dirty="0"/>
+              <a:t> Paged Table</a:t>
+            </a:r>
+          </a:p>
+          <a:p>
+            <a:r>
+              <a:rPr lang="en-US" baseline="0" dirty="0"/>
+              <a:t>	- We extend CustomField.</a:t>
+            </a:r>
+            <a:endParaRPr lang="en-US" dirty="0"/>
+          </a:p>
+          <a:p>
+            <a:endParaRPr lang="en-US" dirty="0"/>
+          </a:p>
+          <a:p>
+            <a:r>
+              <a:rPr lang="en-US" dirty="0"/>
+              <a:t>Project philosophy is to keep look</a:t>
+            </a:r>
+            <a:r>
+              <a:rPr lang="en-US" baseline="0" dirty="0"/>
+              <a:t> and feel like seam.</a:t>
+            </a:r>
+            <a:endParaRPr lang="en-US" dirty="0"/>
+          </a:p>
+          <a:p>
+            <a:r>
+              <a:rPr lang="en-US" dirty="0"/>
+              <a:t>And not to use complex components.</a:t>
+            </a:r>
           </a:p>
         </p:txBody>
       </p:sp>
@@ -1365,23 +1552,9 @@
           <a:lstStyle/>
           <a:p>
             <a:r>
-              <a:rPr lang="en-GB" dirty="0" smtClean="0"/>
-              <a:t>In Intellij</a:t>
-            </a:r>
-          </a:p>
-          <a:p>
-            <a:endParaRPr lang="en-GB" dirty="0" smtClean="0"/>
-          </a:p>
-          <a:p>
-            <a:r>
-              <a:rPr lang="en-US" dirty="0" smtClean="0"/>
-              <a:t>https://</a:t>
-            </a:r>
-            <a:r>
-              <a:rPr lang="en-US" dirty="0" err="1" smtClean="0"/>
-              <a:t>github.com/philbarton/fremantleGuice.git</a:t>
-            </a:r>
-            <a:endParaRPr lang="en-GB" dirty="0"/>
+              <a:rPr lang="en-US"/>
+              <a:t>Break</a:t>
+            </a:r>
           </a:p>
         </p:txBody>
       </p:sp>
@@ -1403,7 +1576,7 @@
             <a:fld id="{C654E929-CE68-42C4-83B6-5D0F0A77E388}" type="slidenum">
               <a:rPr lang="en-GB" smtClean="0"/>
               <a:pPr/>
-              <a:t>23</a:t>
+              <a:t>20</a:t>
             </a:fld>
             <a:endParaRPr lang="en-GB"/>
           </a:p>
@@ -1464,10 +1637,165 @@
           <a:lstStyle/>
           <a:p>
             <a:r>
-              <a:rPr lang="en-US" dirty="0" smtClean="0"/>
-              <a:t>No building or computation in Inject methods.</a:t>
-            </a:r>
-            <a:endParaRPr lang="en-US" dirty="0"/>
+              <a:rPr lang="en-GB" dirty="0" smtClean="0"/>
+              <a:t>In Intellij</a:t>
+            </a:r>
+          </a:p>
+          <a:p>
+            <a:r>
+              <a:rPr lang="en-US" dirty="0" smtClean="0"/>
+              <a:t>https://</a:t>
+            </a:r>
+            <a:r>
+              <a:rPr lang="en-US" dirty="0" err="1" smtClean="0"/>
+              <a:t>github.com/philbarton/fremantleGuice.git</a:t>
+            </a:r>
+          </a:p>
+          <a:p>
+            <a:endParaRPr lang="en-US" dirty="0" err="1" smtClean="0"/>
+          </a:p>
+          <a:p>
+            <a:r>
+              <a:rPr lang="en-US" dirty="0" err="1" smtClean="0"/>
+              <a:t>In</a:t>
+            </a:r>
+            <a:r>
+              <a:rPr lang="en-US" baseline="0" dirty="0" err="1" smtClean="0"/>
+              <a:t> No Guice</a:t>
+            </a:r>
+          </a:p>
+          <a:p>
+            <a:r>
+              <a:rPr lang="en-US" baseline="0" dirty="0" err="1" smtClean="0"/>
+              <a:t>Examine Customer – see Notifier is hard coded.</a:t>
+            </a:r>
+          </a:p>
+          <a:p>
+            <a:r>
+              <a:rPr lang="en-US" baseline="0" dirty="0" err="1" smtClean="0"/>
+              <a:t>What do we do if we want to mock or stub out the notifier.?</a:t>
+            </a:r>
+          </a:p>
+          <a:p>
+            <a:endParaRPr lang="en-US" baseline="0" dirty="0" err="1" smtClean="0"/>
+          </a:p>
+          <a:p>
+            <a:r>
+              <a:rPr lang="en-US" baseline="0" dirty="0" err="1" smtClean="0"/>
+              <a:t>Build and run noGuice</a:t>
+            </a:r>
+          </a:p>
+          <a:p>
+            <a:r>
+              <a:rPr lang="en-US" baseline="0" dirty="0" err="1" smtClean="0"/>
+              <a:t>Modify customer to use SMS.</a:t>
+            </a:r>
+          </a:p>
+          <a:p>
+            <a:endParaRPr lang="en-US" baseline="0" dirty="0" err="1" smtClean="0"/>
+          </a:p>
+          <a:p>
+            <a:r>
+              <a:rPr lang="en-US" baseline="0" dirty="0" err="1" smtClean="0"/>
+              <a:t>In Guice</a:t>
+            </a:r>
+          </a:p>
+          <a:p>
+            <a:pPr marL="0" marR="0" indent="0" algn="l" defTabSz="914400" rtl="0" eaLnBrk="1" fontAlgn="auto" latinLnBrk="0" hangingPunct="1">
+              <a:lnSpc>
+                <a:spcPct val="100000"/>
+              </a:lnSpc>
+              <a:spcBef>
+                <a:spcPts val="0"/>
+              </a:spcBef>
+              <a:spcAft>
+                <a:spcPts val="0"/>
+              </a:spcAft>
+              <a:buClrTx/>
+              <a:buSzTx/>
+              <a:buFontTx/>
+              <a:buNone/>
+              <a:tabLst/>
+              <a:defRPr/>
+            </a:pPr>
+            <a:r>
+              <a:rPr lang="en-US" baseline="0" dirty="0" err="1" smtClean="0"/>
+              <a:t>Examine Customer – see Notifier is hard coded.</a:t>
+            </a:r>
+          </a:p>
+          <a:p>
+            <a:r>
+              <a:rPr lang="en-GB" dirty="0"/>
+              <a:t>Not Inject.</a:t>
+            </a:r>
+          </a:p>
+          <a:p>
+            <a:r>
+              <a:rPr lang="en-GB" dirty="0"/>
+              <a:t>Examine Notifier</a:t>
+            </a:r>
+            <a:r>
+              <a:rPr lang="en-GB" baseline="0" dirty="0"/>
+              <a:t> ImplementedBy.</a:t>
+            </a:r>
+          </a:p>
+          <a:p>
+            <a:endParaRPr lang="en-GB" baseline="0" dirty="0"/>
+          </a:p>
+          <a:p>
+            <a:r>
+              <a:rPr lang="en-GB" baseline="0" dirty="0"/>
+              <a:t>Examine GuiceNoModule</a:t>
+            </a:r>
+          </a:p>
+          <a:p>
+            <a:r>
+              <a:rPr lang="en-GB" baseline="0" dirty="0"/>
+              <a:t>Will use defaults</a:t>
+            </a:r>
+          </a:p>
+          <a:p>
+            <a:endParaRPr lang="en-GB" baseline="0" dirty="0"/>
+          </a:p>
+          <a:p>
+            <a:r>
+              <a:rPr lang="en-GB" baseline="0" dirty="0"/>
+              <a:t>CustomerModule defines Notifier as SMS</a:t>
+            </a:r>
+          </a:p>
+          <a:p>
+            <a:r>
+              <a:rPr lang="en-GB" baseline="0" dirty="0"/>
+              <a:t>Build and run</a:t>
+            </a:r>
+          </a:p>
+          <a:p>
+            <a:endParaRPr lang="en-GB" baseline="0" dirty="0"/>
+          </a:p>
+          <a:p>
+            <a:r>
+              <a:rPr lang="en-US" dirty="0"/>
+              <a:t>GuiceWithProviderModule</a:t>
+            </a:r>
+          </a:p>
+          <a:p>
+            <a:r>
+              <a:rPr lang="en-US" dirty="0"/>
+              <a:t>Alternative way of injecting. Especcially used for external classes.</a:t>
+            </a:r>
+          </a:p>
+          <a:p>
+            <a:r>
+              <a:rPr lang="en-US" dirty="0"/>
+              <a:t>Its</a:t>
+            </a:r>
+            <a:r>
+              <a:rPr lang="en-US" baseline="0" dirty="0"/>
+              <a:t> how we access the Identity and EntityManager from Seam.</a:t>
+            </a:r>
+          </a:p>
+          <a:p>
+            <a:endParaRPr lang="en-GB" dirty="0"/>
           </a:p>
         </p:txBody>
       </p:sp>
@@ -1489,7 +1817,7 @@
             <a:fld id="{C654E929-CE68-42C4-83B6-5D0F0A77E388}" type="slidenum">
               <a:rPr lang="en-GB" smtClean="0"/>
               <a:pPr/>
-              <a:t>24</a:t>
+              <a:t>22</a:t>
             </a:fld>
             <a:endParaRPr lang="en-GB"/>
           </a:p>
@@ -1551,17 +1879,77 @@
           <a:p>
             <a:r>
               <a:rPr lang="en-US" dirty="0" smtClean="0"/>
-              <a:t>Only focusing on post May 2011. Pre May 2011 is Seam code already understood by support.</a:t>
+              <a:t>Only focusing on post May 2011. Pre May 2011 is Seam code which is already understood by support.</a:t>
             </a:r>
           </a:p>
           <a:p>
             <a:endParaRPr lang="en-US" dirty="0" smtClean="0"/>
           </a:p>
           <a:p>
-            <a:r>
-              <a:rPr lang="en-US" dirty="0" smtClean="0"/>
-              <a:t>Areas covered.</a:t>
-            </a:r>
+            <a:pPr>
+              <a:buFontTx/>
+              <a:buChar char="-"/>
+            </a:pPr>
+            <a:r>
+              <a:rPr lang="en-US" dirty="0" smtClean="0"/>
+              <a:t>Overview first.</a:t>
+            </a:r>
+          </a:p>
+          <a:p>
+            <a:pPr>
+              <a:buFontTx/>
+              <a:buChar char="-"/>
+            </a:pPr>
+            <a:r>
+              <a:rPr lang="en-US" dirty="0" smtClean="0"/>
+              <a:t> Then deeper look at each area. </a:t>
+            </a:r>
+          </a:p>
+          <a:p>
+            <a:endParaRPr lang="en-US" dirty="0" smtClean="0"/>
+          </a:p>
+          <a:p>
+            <a:r>
+              <a:rPr lang="en-US" dirty="0" smtClean="0"/>
+              <a:t>Assumed audience. Designers, developers</a:t>
+            </a:r>
+            <a:r>
+              <a:rPr lang="en-US" baseline="0" dirty="0" smtClean="0"/>
+              <a:t> going forward.</a:t>
+            </a:r>
+            <a:endParaRPr lang="en-US" dirty="0" smtClean="0"/>
+          </a:p>
+          <a:p>
+            <a:endParaRPr lang="en-US" dirty="0" smtClean="0"/>
+          </a:p>
+          <a:p>
+            <a:r>
+              <a:rPr lang="en-US" dirty="0" smtClean="0"/>
+              <a:t>Areas covered. As listed.</a:t>
+            </a:r>
+          </a:p>
+          <a:p>
+            <a:endParaRPr lang="en-US" dirty="0" smtClean="0"/>
+          </a:p>
+          <a:p>
+            <a:r>
+              <a:rPr lang="en-US" dirty="0" smtClean="0"/>
+              <a:t>I have 3 working apps to play with. </a:t>
+            </a:r>
+          </a:p>
+          <a:p>
+            <a:r>
+              <a:rPr lang="en-US" dirty="0" smtClean="0"/>
+              <a:t>The final one combines all of the new technologies and techniques.</a:t>
+            </a:r>
+            <a:endParaRPr lang="en-US" dirty="0"/>
+          </a:p>
+          <a:p>
+            <a:pPr>
+              <a:buFontTx/>
+              <a:buChar char="-"/>
+            </a:pPr>
+            <a:endParaRPr lang="en-US" dirty="0" smtClean="0"/>
           </a:p>
           <a:p>
             <a:r>
@@ -1575,21 +1963,14 @@
           <a:p>
             <a:r>
               <a:rPr lang="en-US" dirty="0" smtClean="0"/>
-              <a:t>At 3 or so points in the next two half days we’ll be looking at code samples.</a:t>
-            </a:r>
-          </a:p>
-          <a:p>
-            <a:r>
-              <a:rPr lang="en-US" dirty="0" smtClean="0"/>
-              <a:t>I have 3 working apps to play with. </a:t>
-            </a:r>
-          </a:p>
-          <a:p>
-            <a:r>
-              <a:rPr lang="en-US" dirty="0" smtClean="0"/>
-              <a:t>The final one combines all of the new technologies and techniques.</a:t>
-            </a:r>
-            <a:endParaRPr lang="en-US" dirty="0"/>
+              <a:t>Does this meet everyones expectations?</a:t>
+            </a:r>
+          </a:p>
+          <a:p>
+            <a:endParaRPr lang="en-US" dirty="0" smtClean="0"/>
+          </a:p>
+          <a:p>
+            <a:endParaRPr lang="en-US" dirty="0" smtClean="0"/>
           </a:p>
         </p:txBody>
       </p:sp>
@@ -1672,44 +2053,10 @@
           <a:lstStyle/>
           <a:p>
             <a:r>
-              <a:rPr lang="en-GB" dirty="0" smtClean="0"/>
-              <a:t>Only presenters should run business logic.</a:t>
-            </a:r>
-          </a:p>
-          <a:p>
-            <a:r>
-              <a:rPr lang="en-GB" dirty="0" smtClean="0"/>
-              <a:t>Views are</a:t>
-            </a:r>
-            <a:r>
-              <a:rPr lang="en-GB" baseline="0" dirty="0" smtClean="0"/>
-              <a:t> for UI viewing and event generation</a:t>
-            </a:r>
-            <a:r>
-              <a:rPr lang="en-GB" baseline="0" dirty="0" smtClean="0"/>
-              <a:t>.</a:t>
-            </a:r>
-          </a:p>
-          <a:p>
-            <a:r>
-              <a:rPr lang="en-GB" baseline="0" dirty="0" smtClean="0"/>
-              <a:t>Some views store state changes </a:t>
-            </a:r>
-            <a:r>
-              <a:rPr lang="en-GB" baseline="0" dirty="0" err="1" smtClean="0"/>
-              <a:t>e,g</a:t>
-            </a:r>
-            <a:r>
-              <a:rPr lang="en-GB" baseline="0" dirty="0" smtClean="0"/>
-              <a:t>, the item selected in a table, rather than sending it in the event.</a:t>
-            </a:r>
-          </a:p>
-          <a:p>
-            <a:r>
-              <a:rPr lang="en-GB" baseline="0" dirty="0" smtClean="0"/>
-              <a:t>Early code passed id’s or items around. Worked but slightly more fragile then storing in context.</a:t>
-            </a:r>
-            <a:endParaRPr lang="en-GB" dirty="0"/>
+              <a:rPr lang="en-US" dirty="0" smtClean="0"/>
+              <a:t>No building or computation in Inject methods.</a:t>
+            </a:r>
+            <a:endParaRPr lang="en-US" dirty="0"/>
           </a:p>
         </p:txBody>
       </p:sp>
@@ -1731,7 +2078,7 @@
             <a:fld id="{C654E929-CE68-42C4-83B6-5D0F0A77E388}" type="slidenum">
               <a:rPr lang="en-GB" smtClean="0"/>
               <a:pPr/>
-              <a:t>27</a:t>
+              <a:t>23</a:t>
             </a:fld>
             <a:endParaRPr lang="en-GB"/>
           </a:p>
@@ -1792,14 +2139,45 @@
           <a:lstStyle/>
           <a:p>
             <a:r>
-              <a:rPr lang="en-GB" smtClean="0"/>
-              <a:t>Now that we have a knowledge of the under</a:t>
-            </a:r>
-            <a:r>
-              <a:rPr lang="en-GB" baseline="0" smtClean="0"/>
-              <a:t> lying technologies. We can pull them all together.</a:t>
-            </a:r>
-            <a:endParaRPr lang="en-GB"/>
+              <a:rPr lang="en-GB" dirty="0" smtClean="0"/>
+              <a:t>Only presenters should run business logic.</a:t>
+            </a:r>
+          </a:p>
+          <a:p>
+            <a:r>
+              <a:rPr lang="en-GB" dirty="0" smtClean="0"/>
+              <a:t>Views are</a:t>
+            </a:r>
+            <a:r>
+              <a:rPr lang="en-GB" baseline="0" dirty="0" smtClean="0"/>
+              <a:t> for UI viewing and event generation.</a:t>
+            </a:r>
+          </a:p>
+          <a:p>
+            <a:r>
+              <a:rPr lang="en-GB" baseline="0" dirty="0" smtClean="0"/>
+              <a:t>Some views store state changes </a:t>
+            </a:r>
+            <a:r>
+              <a:rPr lang="en-GB" baseline="0" dirty="0" err="1" smtClean="0"/>
+              <a:t>e,g</a:t>
+            </a:r>
+            <a:r>
+              <a:rPr lang="en-GB" baseline="0" dirty="0" smtClean="0"/>
+              <a:t>, the item selected in a table, rather than sending it in the event.</a:t>
+            </a:r>
+          </a:p>
+          <a:p>
+            <a:r>
+              <a:rPr lang="en-GB" baseline="0" dirty="0" smtClean="0"/>
+              <a:t>Early code passed id’s or items around. Worked but slightly more fragile then storing in context.</a:t>
+            </a:r>
+          </a:p>
+          <a:p>
+            <a:endParaRPr lang="en-GB" baseline="0" dirty="0" smtClean="0"/>
+          </a:p>
+          <a:p>
+            <a:endParaRPr lang="en-GB" dirty="0"/>
           </a:p>
         </p:txBody>
       </p:sp>
@@ -1821,7 +2199,97 @@
             <a:fld id="{C654E929-CE68-42C4-83B6-5D0F0A77E388}" type="slidenum">
               <a:rPr lang="en-GB" smtClean="0"/>
               <a:pPr/>
-              <a:t>35</a:t>
+              <a:t>26</a:t>
+            </a:fld>
+            <a:endParaRPr lang="en-GB"/>
+          </a:p>
+        </p:txBody>
+      </p:sp>
+    </p:spTree>
+  </p:cSld>
+  <p:clrMapOvr>
+    <a:masterClrMapping/>
+  </p:clrMapOvr>
+</p:notes>
+</file>
+
+<file path=ppt/notesSlides/notesSlide22.xml><?xml version="1.0" encoding="utf-8"?>
+<p:notes xmlns:a="http://schemas.openxmlformats.org/drawingml/2006/main" xmlns:r="http://schemas.openxmlformats.org/officeDocument/2006/relationships" xmlns:mc="http://schemas.openxmlformats.org/markup-compatibility/2006" xmlns:mv="urn:schemas-microsoft-com:mac:vml" xmlns:p="http://schemas.openxmlformats.org/presentationml/2006/main" mc:Ignorable="mv" mc:PreserveAttributes="mv:*">
+  <p:cSld>
+    <p:spTree>
+      <p:nvGrpSpPr>
+        <p:cNvPr id="1" name=""/>
+        <p:cNvGrpSpPr/>
+        <p:nvPr/>
+      </p:nvGrpSpPr>
+      <p:grpSpPr>
+        <a:xfrm>
+          <a:off x="0" y="0"/>
+          <a:ext cx="0" cy="0"/>
+          <a:chOff x="0" y="0"/>
+          <a:chExt cx="0" cy="0"/>
+        </a:xfrm>
+      </p:grpSpPr>
+      <p:sp>
+        <p:nvSpPr>
+          <p:cNvPr id="2" name="Slide Image Placeholder 1"/>
+          <p:cNvSpPr>
+            <a:spLocks noGrp="1" noRot="1" noChangeAspect="1"/>
+          </p:cNvSpPr>
+          <p:nvPr>
+            <p:ph type="sldImg"/>
+          </p:nvPr>
+        </p:nvSpPr>
+        <p:spPr/>
+      </p:sp>
+      <p:sp>
+        <p:nvSpPr>
+          <p:cNvPr id="3" name="Notes Placeholder 2"/>
+          <p:cNvSpPr>
+            <a:spLocks noGrp="1"/>
+          </p:cNvSpPr>
+          <p:nvPr>
+            <p:ph type="body" idx="1"/>
+          </p:nvPr>
+        </p:nvSpPr>
+        <p:spPr/>
+        <p:txBody>
+          <a:bodyPr>
+            <a:normAutofit/>
+          </a:bodyPr>
+          <a:lstStyle/>
+          <a:p>
+            <a:r>
+              <a:rPr lang="en-GB" smtClean="0"/>
+              <a:t>Now that we have a knowledge of the under</a:t>
+            </a:r>
+            <a:r>
+              <a:rPr lang="en-GB" baseline="0" smtClean="0"/>
+              <a:t> lying technologies. We can pull them all together.</a:t>
+            </a:r>
+            <a:endParaRPr lang="en-GB"/>
+          </a:p>
+        </p:txBody>
+      </p:sp>
+      <p:sp>
+        <p:nvSpPr>
+          <p:cNvPr id="4" name="Slide Number Placeholder 3"/>
+          <p:cNvSpPr>
+            <a:spLocks noGrp="1"/>
+          </p:cNvSpPr>
+          <p:nvPr>
+            <p:ph type="sldNum" sz="quarter" idx="10"/>
+          </p:nvPr>
+        </p:nvSpPr>
+        <p:spPr/>
+        <p:txBody>
+          <a:bodyPr/>
+          <a:lstStyle/>
+          <a:p>
+            <a:fld id="{C654E929-CE68-42C4-83B6-5D0F0A77E388}" type="slidenum">
+              <a:rPr lang="en-GB" smtClean="0"/>
+              <a:pPr/>
+              <a:t>34</a:t>
             </a:fld>
             <a:endParaRPr lang="en-GB"/>
           </a:p>
@@ -1883,6 +2351,59 @@
           <a:p>
             <a:r>
               <a:rPr lang="en-US" dirty="0" smtClean="0"/>
+              <a:t>The UI part</a:t>
+            </a:r>
+            <a:r>
+              <a:rPr lang="en-US" baseline="0" dirty="0" smtClean="0"/>
+              <a:t> of the new tech.</a:t>
+            </a:r>
+          </a:p>
+          <a:p>
+            <a:r>
+              <a:rPr lang="en-US" baseline="0" dirty="0" smtClean="0"/>
+              <a:t>Chosen to replace Seam due to :</a:t>
+            </a:r>
+          </a:p>
+          <a:p>
+            <a:r>
+              <a:rPr lang="en-US" baseline="0" dirty="0" smtClean="0"/>
+              <a:t>	Productivity.</a:t>
+            </a:r>
+          </a:p>
+          <a:p>
+            <a:r>
+              <a:rPr lang="en-US" baseline="0" dirty="0" smtClean="0"/>
+              <a:t>	Testability.</a:t>
+            </a:r>
+          </a:p>
+          <a:p>
+            <a:r>
+              <a:rPr lang="en-US" baseline="0" dirty="0" smtClean="0"/>
+              <a:t>	etc.</a:t>
+            </a:r>
+          </a:p>
+          <a:p>
+            <a:r>
+              <a:rPr lang="en-US" baseline="0" dirty="0" smtClean="0"/>
+              <a:t>Original Paper available</a:t>
+            </a:r>
+          </a:p>
+          <a:p>
+            <a:r>
+              <a:rPr lang="en-US" baseline="0" dirty="0" smtClean="0"/>
+              <a:t>Slide shows some of the history.</a:t>
+            </a:r>
+          </a:p>
+          <a:p>
+            <a:r>
+              <a:rPr lang="en-US" baseline="0" dirty="0" smtClean="0"/>
+              <a:t>  </a:t>
+            </a:r>
+            <a:endParaRPr lang="en-US" dirty="0" smtClean="0"/>
+          </a:p>
+          <a:p>
+            <a:r>
+              <a:rPr lang="en-US" dirty="0" smtClean="0"/>
               <a:t>In terms of maturity, it is in a sweet spot.</a:t>
             </a:r>
           </a:p>
@@ -2010,6 +2531,47 @@
           </a:bodyPr>
           <a:lstStyle/>
           <a:p>
+            <a:r>
+              <a:rPr lang="en-US" dirty="0"/>
+              <a:t>Why have DI.</a:t>
+            </a:r>
+          </a:p>
+          <a:p>
+            <a:endParaRPr lang="en-US" dirty="0"/>
+          </a:p>
+          <a:p>
+            <a:pPr>
+              <a:buFontTx/>
+              <a:buChar char="-"/>
+            </a:pPr>
+            <a:r>
+              <a:rPr lang="en-US" dirty="0"/>
+              <a:t>Structure</a:t>
+            </a:r>
+            <a:r>
+              <a:rPr lang="en-US" baseline="0" dirty="0"/>
+              <a:t> code.</a:t>
+            </a:r>
+          </a:p>
+          <a:p>
+            <a:pPr>
+              <a:buFontTx/>
+              <a:buChar char="-"/>
+            </a:pPr>
+            <a:r>
+              <a:rPr lang="en-US" baseline="0" dirty="0"/>
+              <a:t>Go some way towards a component based design</a:t>
+            </a:r>
+          </a:p>
+          <a:p>
+            <a:pPr>
+              <a:buFontTx/>
+              <a:buChar char="-"/>
+            </a:pPr>
+            <a:r>
+              <a:rPr lang="en-US" baseline="0" dirty="0"/>
+              <a:t>Testing and mocking.</a:t>
+            </a:r>
             <a:endParaRPr lang="en-US" dirty="0"/>
           </a:p>
         </p:txBody>
@@ -2091,6 +2653,12 @@
             <a:normAutofit/>
           </a:bodyPr>
           <a:lstStyle/>
+          <a:p>
+            <a:r>
+              <a:rPr lang="en-US"/>
+              <a:t>Loosely couple app.</a:t>
+            </a:r>
+          </a:p>
           <a:p>
             <a:endParaRPr lang="en-US"/>
           </a:p>
@@ -3118,7 +3686,7 @@
             <a:fld id="{783FABB4-A628-43D7-9E66-634FEA459987}" type="datetimeFigureOut">
               <a:rPr lang="fr-FR" smtClean="0"/>
               <a:pPr/>
-              <a:t>6/27/12</a:t>
+              <a:t>7/16/12</a:t>
             </a:fld>
             <a:endParaRPr lang="fr-FR" dirty="0"/>
           </a:p>
@@ -3233,7 +3801,7 @@
             <a:fld id="{783FABB4-A628-43D7-9E66-634FEA459987}" type="datetimeFigureOut">
               <a:rPr lang="fr-FR" smtClean="0"/>
               <a:pPr/>
-              <a:t>6/27/12</a:t>
+              <a:t>7/16/12</a:t>
             </a:fld>
             <a:endParaRPr lang="fr-FR" dirty="0"/>
           </a:p>
@@ -4135,7 +4703,7 @@
             <a:fld id="{783FABB4-A628-43D7-9E66-634FEA459987}" type="datetimeFigureOut">
               <a:rPr lang="fr-FR" smtClean="0"/>
               <a:pPr/>
-              <a:t>6/27/12</a:t>
+              <a:t>7/16/12</a:t>
             </a:fld>
             <a:endParaRPr lang="fr-FR" dirty="0"/>
           </a:p>
@@ -4410,7 +4978,7 @@
             <a:fld id="{783FABB4-A628-43D7-9E66-634FEA459987}" type="datetimeFigureOut">
               <a:rPr lang="fr-FR" smtClean="0"/>
               <a:pPr/>
-              <a:t>6/27/12</a:t>
+              <a:t>7/16/12</a:t>
             </a:fld>
             <a:endParaRPr lang="fr-FR"/>
           </a:p>
@@ -4597,7 +5165,7 @@
             <a:fld id="{783FABB4-A628-43D7-9E66-634FEA459987}" type="datetimeFigureOut">
               <a:rPr lang="fr-FR" smtClean="0"/>
               <a:pPr/>
-              <a:t>6/27/12</a:t>
+              <a:t>7/16/12</a:t>
             </a:fld>
             <a:endParaRPr lang="fr-FR"/>
           </a:p>
@@ -5450,7 +6018,7 @@
             <a:fld id="{783FABB4-A628-43D7-9E66-634FEA459987}" type="datetimeFigureOut">
               <a:rPr lang="fr-FR" smtClean="0"/>
               <a:pPr/>
-              <a:t>6/27/12</a:t>
+              <a:t>7/16/12</a:t>
             </a:fld>
             <a:endParaRPr lang="fr-FR" dirty="0"/>
           </a:p>
@@ -5825,7 +6393,7 @@
             <a:fld id="{783FABB4-A628-43D7-9E66-634FEA459987}" type="datetimeFigureOut">
               <a:rPr lang="fr-FR" smtClean="0"/>
               <a:pPr/>
-              <a:t>6/27/12</a:t>
+              <a:t>7/16/12</a:t>
             </a:fld>
             <a:endParaRPr lang="fr-FR" dirty="0"/>
           </a:p>
@@ -6088,7 +6656,7 @@
             <a:fld id="{783FABB4-A628-43D7-9E66-634FEA459987}" type="datetimeFigureOut">
               <a:rPr lang="fr-FR" smtClean="0"/>
               <a:pPr/>
-              <a:t>6/27/12</a:t>
+              <a:t>7/16/12</a:t>
             </a:fld>
             <a:endParaRPr lang="fr-FR" dirty="0"/>
           </a:p>
@@ -7496,7 +8064,7 @@
             <a:fld id="{783FABB4-A628-43D7-9E66-634FEA459987}" type="datetimeFigureOut">
               <a:rPr lang="fr-FR" smtClean="0"/>
               <a:pPr/>
-              <a:t>6/27/12</a:t>
+              <a:t>7/16/12</a:t>
             </a:fld>
             <a:endParaRPr lang="fr-FR" dirty="0"/>
           </a:p>
@@ -8087,7 +8655,7 @@
             <a:fld id="{783FABB4-A628-43D7-9E66-634FEA459987}" type="datetimeFigureOut">
               <a:rPr lang="fr-FR" smtClean="0"/>
               <a:pPr/>
-              <a:t>6/27/12</a:t>
+              <a:t>7/16/12</a:t>
             </a:fld>
             <a:endParaRPr lang="fr-FR" dirty="0"/>
           </a:p>
@@ -8628,7 +9196,7 @@
             <a:fld id="{783FABB4-A628-43D7-9E66-634FEA459987}" type="datetimeFigureOut">
               <a:rPr lang="fr-FR" smtClean="0"/>
               <a:pPr/>
-              <a:t>6/27/12</a:t>
+              <a:t>7/16/12</a:t>
             </a:fld>
             <a:endParaRPr lang="fr-FR" dirty="0"/>
           </a:p>
@@ -9101,7 +9669,7 @@
             <a:fld id="{783FABB4-A628-43D7-9E66-634FEA459987}" type="datetimeFigureOut">
               <a:rPr lang="fr-FR" smtClean="0"/>
               <a:pPr/>
-              <a:t>6/27/12</a:t>
+              <a:t>7/16/12</a:t>
             </a:fld>
             <a:endParaRPr lang="fr-FR" dirty="0"/>
           </a:p>
@@ -9532,7 +10100,7 @@
           <a:p>
             <a:r>
               <a:rPr lang="en-GB" dirty="0" smtClean="0"/>
-              <a:t>May 2012 Onwards</a:t>
+              <a:t>May 2011 Onwards</a:t>
             </a:r>
           </a:p>
         </p:txBody>
@@ -11301,11 +11869,7 @@
           <a:p>
             <a:r>
               <a:rPr lang="en-GB" dirty="0" smtClean="0"/>
-              <a:t>Simple</a:t>
-            </a:r>
-            <a:r>
-              <a:rPr lang="en-GB" dirty="0" smtClean="0"/>
-              <a:t> Vaadin Demo</a:t>
+              <a:t>Simple Vaadin Demo</a:t>
             </a:r>
             <a:endParaRPr lang="en-GB" dirty="0"/>
           </a:p>
@@ -11548,7 +12112,7 @@
             <a:pPr lvl="1"/>
             <a:r>
               <a:rPr lang="en-GB" dirty="0" smtClean="0"/>
-              <a:t>(Bound to Item)</a:t>
+              <a:t>(Bound to Item – db row)</a:t>
             </a:r>
           </a:p>
           <a:p>
@@ -11565,7 +12129,7 @@
             <a:pPr lvl="1"/>
             <a:r>
               <a:rPr lang="en-GB" dirty="0" smtClean="0"/>
-              <a:t>(Bound to Property)</a:t>
+              <a:t>(Bound to Property – db column)</a:t>
             </a:r>
           </a:p>
           <a:p>
@@ -11578,7 +12142,7 @@
             <a:pPr lvl="1"/>
             <a:r>
               <a:rPr lang="en-GB" dirty="0" smtClean="0"/>
-              <a:t>(Bound to Container)</a:t>
+              <a:t>(Bound to Container – db table)</a:t>
             </a:r>
           </a:p>
           <a:p>
@@ -11591,7 +12155,7 @@
             <a:pPr lvl="1"/>
             <a:r>
               <a:rPr lang="en-GB" dirty="0" smtClean="0"/>
-              <a:t>(Bound to Container)</a:t>
+              <a:t>(Bound to Container – db table)</a:t>
             </a:r>
           </a:p>
           <a:p>
@@ -11873,7 +12437,7 @@
         </p:spPr>
         <p:txBody>
           <a:bodyPr>
-            <a:normAutofit fontScale="92500"/>
+            <a:normAutofit fontScale="92500" lnSpcReduction="10000"/>
           </a:bodyPr>
           <a:lstStyle/>
           <a:p>
@@ -11885,7 +12449,7 @@
           <a:p>
             <a:r>
               <a:rPr lang="en-GB" dirty="0" smtClean="0"/>
-              <a:t>Defined as interfaces, additional interfaces for sorting and filtering etc.</a:t>
+              <a:t>Defined as java interfaces, additional interfaces for sorting and filtering etc.</a:t>
             </a:r>
           </a:p>
           <a:p>
@@ -12238,6 +12802,9 @@
   <p:clrMapOvr>
     <a:masterClrMapping/>
   </p:clrMapOvr>
+  <p:transition>
+    <p:fade/>
+  </p:transition>
   <p:timing>
     <p:tnLst>
       <p:par>
@@ -12276,7 +12843,7 @@
           </p:nvPr>
         </p:nvPicPr>
         <p:blipFill>
-          <a:blip r:embed="rId2" cstate="print"/>
+          <a:blip r:embed="rId3" cstate="print"/>
           <a:srcRect/>
           <a:stretch>
             <a:fillRect/>
@@ -12589,7 +13156,7 @@
           <a:p>
             <a:r>
               <a:rPr lang="en-GB" dirty="0" smtClean="0"/>
-              <a:t>Dependency Injection</a:t>
+              <a:t>Guice DI</a:t>
             </a:r>
             <a:endParaRPr lang="en-GB" dirty="0"/>
           </a:p>
@@ -12612,40 +13179,20 @@
           <a:p>
             <a:r>
               <a:rPr lang="en-GB" dirty="0" smtClean="0"/>
-              <a:t>Code example with no DI</a:t>
-            </a:r>
-          </a:p>
-          <a:p>
-            <a:pPr lvl="1"/>
-            <a:r>
-              <a:rPr lang="en-GB" dirty="0" smtClean="0">
-                <a:hlinkClick r:id="rId2" action="ppaction://hlinkfile"/>
-              </a:rPr>
-              <a:t>NoDependancyInjection.java</a:t>
-            </a:r>
-            <a:endParaRPr lang="en-GB" dirty="0" smtClean="0"/>
-          </a:p>
-          <a:p>
-            <a:pPr lvl="1"/>
-            <a:endParaRPr lang="en-GB" dirty="0" smtClean="0"/>
-          </a:p>
-          <a:p>
-            <a:r>
-              <a:rPr lang="en-GB" dirty="0" smtClean="0"/>
-              <a:t>Code example with DI</a:t>
-            </a:r>
-          </a:p>
-          <a:p>
-            <a:pPr lvl="1"/>
-            <a:r>
-              <a:rPr lang="en-GB" dirty="0" smtClean="0">
-                <a:hlinkClick r:id="rId3" action="ppaction://hlinkfile"/>
-              </a:rPr>
-              <a:t>FactoryDependancyInjection.java</a:t>
-            </a:r>
-            <a:endParaRPr lang="en-GB" dirty="0" smtClean="0"/>
-          </a:p>
-          <a:p>
+              <a:t>Demo</a:t>
+            </a:r>
+          </a:p>
+          <a:p>
+            <a:r>
+              <a:rPr lang="en-GB" dirty="0" smtClean="0"/>
+              <a:t>Shows app with no DI</a:t>
+            </a:r>
+          </a:p>
+          <a:p>
+            <a:r>
+              <a:rPr lang="en-GB" dirty="0" smtClean="0"/>
+              <a:t>Vs Guice</a:t>
+            </a:r>
             <a:endParaRPr lang="en-GB" dirty="0"/>
           </a:p>
         </p:txBody>
@@ -12699,7 +13246,7 @@
           <a:p>
             <a:r>
               <a:rPr lang="en-GB" dirty="0" smtClean="0"/>
-              <a:t>Guice DI</a:t>
+              <a:t>Guice @ Fremantle</a:t>
             </a:r>
             <a:endParaRPr lang="en-GB" dirty="0"/>
           </a:p>
@@ -12722,21 +13269,55 @@
           <a:p>
             <a:r>
               <a:rPr lang="en-GB" dirty="0" smtClean="0"/>
-              <a:t>Demo</a:t>
-            </a:r>
-          </a:p>
-          <a:p>
-            <a:r>
-              <a:rPr lang="en-GB" dirty="0" smtClean="0"/>
-              <a:t>Shows app with no DI</a:t>
-            </a:r>
-          </a:p>
-          <a:p>
-            <a:r>
-              <a:rPr lang="en-GB" dirty="0" smtClean="0"/>
-              <a:t>Vs Guice</a:t>
-            </a:r>
-            <a:endParaRPr lang="en-GB" dirty="0"/>
+              <a:t>Module binds based on user roles</a:t>
+            </a:r>
+          </a:p>
+          <a:p>
+            <a:pPr lvl="1"/>
+            <a:r>
+              <a:rPr lang="en-GB" dirty="0" smtClean="0"/>
+              <a:t>Update code injected if role has update</a:t>
+            </a:r>
+          </a:p>
+          <a:p>
+            <a:pPr lvl="1"/>
+            <a:r>
+              <a:rPr lang="en-GB" dirty="0" smtClean="0"/>
+              <a:t>Otherwise, default is read-only.</a:t>
+            </a:r>
+          </a:p>
+          <a:p>
+            <a:r>
+              <a:rPr lang="en-GB" dirty="0" smtClean="0"/>
+              <a:t>Care needed not to include processing in @Inject methods</a:t>
+            </a:r>
+          </a:p>
+          <a:p>
+            <a:pPr lvl="1"/>
+            <a:r>
+              <a:rPr lang="en-GB" dirty="0" smtClean="0"/>
+              <a:t>Has slipped in in some areas (under going refactoring)</a:t>
+            </a:r>
+          </a:p>
+          <a:p>
+            <a:pPr lvl="1"/>
+            <a:r>
+              <a:rPr lang="en-GB" dirty="0" smtClean="0"/>
+              <a:t>Slows down the application start up.</a:t>
+            </a:r>
+          </a:p>
+          <a:p>
+            <a:r>
+              <a:rPr lang="en-GB" dirty="0" smtClean="0"/>
+              <a:t>Re-use of Seam components using Guice Providers</a:t>
+            </a:r>
+          </a:p>
+          <a:p>
+            <a:pPr lvl="1"/>
+            <a:r>
+              <a:rPr lang="en-GB" dirty="0" smtClean="0"/>
+              <a:t>E.g. Entity Manager</a:t>
+            </a:r>
           </a:p>
         </p:txBody>
       </p:sp>
@@ -12772,9 +13353,33 @@
           <a:chExt cx="0" cy="0"/>
         </a:xfrm>
       </p:grpSpPr>
-      <p:sp>
-        <p:nvSpPr>
-          <p:cNvPr id="2" name="Title 1"/>
+      <p:pic>
+        <p:nvPicPr>
+          <p:cNvPr id="5" name="Picture Placeholder 4" descr="gwt.png"/>
+          <p:cNvPicPr>
+            <a:picLocks noGrp="1" noChangeAspect="1"/>
+          </p:cNvPicPr>
+          <p:nvPr>
+            <p:ph type="pic" sz="quarter" idx="10"/>
+          </p:nvPr>
+        </p:nvPicPr>
+        <p:blipFill>
+          <a:blip r:embed="rId2" cstate="print"/>
+          <a:srcRect/>
+          <a:stretch>
+            <a:fillRect/>
+          </a:stretch>
+        </p:blipFill>
+        <p:spPr>
+          <a:xfrm>
+            <a:off x="3203848" y="2996952"/>
+            <a:ext cx="2828925" cy="1619250"/>
+          </a:xfrm>
+        </p:spPr>
+      </p:pic>
+      <p:sp>
+        <p:nvSpPr>
+          <p:cNvPr id="3" name="Title 2"/>
           <p:cNvSpPr>
             <a:spLocks noGrp="1"/>
           </p:cNvSpPr>
@@ -12787,93 +13392,14 @@
           <a:bodyPr/>
           <a:lstStyle/>
           <a:p>
-            <a:r>
-              <a:rPr lang="en-GB" dirty="0" smtClean="0"/>
-              <a:t>Guice @ Fremantle</a:t>
+            <a:pPr>
+              <a:buNone/>
+            </a:pPr>
+            <a:r>
+              <a:rPr lang="en-GB" dirty="0" smtClean="0"/>
+              <a:t>GWT Event Bus</a:t>
             </a:r>
             <a:endParaRPr lang="en-GB" dirty="0"/>
-          </a:p>
-        </p:txBody>
-      </p:sp>
-      <p:sp>
-        <p:nvSpPr>
-          <p:cNvPr id="3" name="Content Placeholder 2"/>
-          <p:cNvSpPr>
-            <a:spLocks noGrp="1"/>
-          </p:cNvSpPr>
-          <p:nvPr>
-            <p:ph idx="1"/>
-          </p:nvPr>
-        </p:nvSpPr>
-        <p:spPr/>
-        <p:txBody>
-          <a:bodyPr/>
-          <a:lstStyle/>
-          <a:p>
-            <a:r>
-              <a:rPr lang="en-GB" dirty="0" smtClean="0"/>
-              <a:t>Module binds based on user roles</a:t>
-            </a:r>
-          </a:p>
-          <a:p>
-            <a:pPr lvl="1"/>
-            <a:r>
-              <a:rPr lang="en-GB" dirty="0" smtClean="0"/>
-              <a:t>Update code injected if role has update</a:t>
-            </a:r>
-          </a:p>
-          <a:p>
-            <a:pPr lvl="1"/>
-            <a:r>
-              <a:rPr lang="en-GB" dirty="0" smtClean="0"/>
-              <a:t>Otherwise, default is read-only.</a:t>
-            </a:r>
-          </a:p>
-          <a:p>
-            <a:r>
-              <a:rPr lang="en-GB" dirty="0" smtClean="0"/>
-              <a:t>Care needed not to include processing in @Inject methods</a:t>
-            </a:r>
-          </a:p>
-          <a:p>
-            <a:pPr lvl="1"/>
-            <a:r>
-              <a:rPr lang="en-GB" dirty="0" smtClean="0"/>
-              <a:t>Has slipped in in some areas (under going refactoring)</a:t>
-            </a:r>
-          </a:p>
-          <a:p>
-            <a:pPr lvl="1"/>
-            <a:r>
-              <a:rPr lang="en-GB" dirty="0" smtClean="0"/>
-              <a:t>Slows down the application </a:t>
-            </a:r>
-            <a:r>
-              <a:rPr lang="en-GB" dirty="0" smtClean="0"/>
-              <a:t>start up</a:t>
-            </a:r>
-            <a:r>
-              <a:rPr lang="en-GB" dirty="0" smtClean="0"/>
-              <a:t>.</a:t>
-            </a:r>
-          </a:p>
-          <a:p>
-            <a:r>
-              <a:rPr lang="en-GB" dirty="0" smtClean="0"/>
-              <a:t>Re-use of Seam components using Guice Providers</a:t>
-            </a:r>
-          </a:p>
-          <a:p>
-            <a:pPr lvl="1"/>
-            <a:r>
-              <a:rPr lang="en-GB" dirty="0" smtClean="0"/>
-              <a:t>E.g. </a:t>
-            </a:r>
-            <a:r>
-              <a:rPr lang="en-GB" dirty="0" smtClean="0"/>
-              <a:t>Entity Manager</a:t>
-            </a:r>
-            <a:endParaRPr lang="en-GB" dirty="0" smtClean="0"/>
           </a:p>
         </p:txBody>
       </p:sp>
@@ -12909,33 +13435,9 @@
           <a:chExt cx="0" cy="0"/>
         </a:xfrm>
       </p:grpSpPr>
-      <p:pic>
-        <p:nvPicPr>
-          <p:cNvPr id="5" name="Picture Placeholder 4" descr="gwt.png"/>
-          <p:cNvPicPr>
-            <a:picLocks noGrp="1" noChangeAspect="1"/>
-          </p:cNvPicPr>
-          <p:nvPr>
-            <p:ph type="pic" sz="quarter" idx="10"/>
-          </p:nvPr>
-        </p:nvPicPr>
-        <p:blipFill>
-          <a:blip r:embed="rId2" cstate="print"/>
-          <a:srcRect/>
-          <a:stretch>
-            <a:fillRect/>
-          </a:stretch>
-        </p:blipFill>
-        <p:spPr>
-          <a:xfrm>
-            <a:off x="3203848" y="2996952"/>
-            <a:ext cx="2828925" cy="1619250"/>
-          </a:xfrm>
-        </p:spPr>
-      </p:pic>
-      <p:sp>
-        <p:nvSpPr>
-          <p:cNvPr id="3" name="Title 2"/>
+      <p:sp>
+        <p:nvSpPr>
+          <p:cNvPr id="2" name="Title 1"/>
           <p:cNvSpPr>
             <a:spLocks noGrp="1"/>
           </p:cNvSpPr>
@@ -12948,12 +13450,108 @@
           <a:bodyPr/>
           <a:lstStyle/>
           <a:p>
-            <a:pPr>
-              <a:buNone/>
-            </a:pPr>
-            <a:r>
-              <a:rPr lang="en-GB" dirty="0" smtClean="0"/>
-              <a:t>GWT Event Bus</a:t>
+            <a:r>
+              <a:rPr lang="en-GB" dirty="0" smtClean="0"/>
+              <a:t>Why have an Event Bus</a:t>
+            </a:r>
+            <a:endParaRPr lang="en-GB" dirty="0"/>
+          </a:p>
+        </p:txBody>
+      </p:sp>
+      <p:sp>
+        <p:nvSpPr>
+          <p:cNvPr id="3" name="Content Placeholder 2"/>
+          <p:cNvSpPr>
+            <a:spLocks noGrp="1"/>
+          </p:cNvSpPr>
+          <p:nvPr>
+            <p:ph idx="1"/>
+          </p:nvPr>
+        </p:nvSpPr>
+        <p:spPr/>
+        <p:txBody>
+          <a:bodyPr/>
+          <a:lstStyle/>
+          <a:p>
+            <a:r>
+              <a:rPr lang="en-GB" dirty="0" smtClean="0"/>
+              <a:t>Decouple components</a:t>
+            </a:r>
+          </a:p>
+          <a:p>
+            <a:pPr lvl="1"/>
+            <a:r>
+              <a:rPr lang="en-GB" dirty="0" smtClean="0"/>
+              <a:t>Consumers of events know nothing about the producers</a:t>
+            </a:r>
+          </a:p>
+          <a:p>
+            <a:pPr lvl="1"/>
+            <a:r>
+              <a:rPr lang="en-GB" dirty="0" smtClean="0"/>
+              <a:t>And </a:t>
+            </a:r>
+            <a:r>
+              <a:rPr lang="en-GB" dirty="0" err="1" smtClean="0"/>
+              <a:t>vica</a:t>
+            </a:r>
+            <a:r>
+              <a:rPr lang="en-GB" dirty="0" smtClean="0"/>
+              <a:t> versa</a:t>
+            </a:r>
+          </a:p>
+          <a:p>
+            <a:pPr lvl="1"/>
+            <a:r>
+              <a:rPr lang="en-GB" dirty="0" smtClean="0"/>
+              <a:t>Consumers don’t have to have an association with the producers</a:t>
+            </a:r>
+          </a:p>
+          <a:p>
+            <a:r>
+              <a:rPr lang="en-GB" dirty="0" smtClean="0"/>
+              <a:t>Greater flexibility for change</a:t>
+            </a:r>
+          </a:p>
+          <a:p>
+            <a:pPr lvl="1"/>
+            <a:r>
+              <a:rPr lang="en-GB" dirty="0" smtClean="0"/>
+              <a:t>Components can be moved and reused without changing the event handling</a:t>
+            </a:r>
+          </a:p>
+          <a:p>
+            <a:r>
+              <a:rPr lang="en-GB" dirty="0" smtClean="0"/>
+              <a:t>Assist with unit testing</a:t>
+            </a:r>
+          </a:p>
+          <a:p>
+            <a:pPr lvl="1"/>
+            <a:r>
+              <a:rPr lang="en-GB" dirty="0" smtClean="0"/>
+              <a:t>Possible to generate events without the UI components</a:t>
+            </a:r>
+          </a:p>
+          <a:p>
+            <a:pPr lvl="1"/>
+            <a:r>
+              <a:rPr lang="en-GB" dirty="0" smtClean="0"/>
+              <a:t>Possible to </a:t>
+            </a:r>
+            <a:r>
+              <a:rPr lang="en-GB" dirty="0" err="1" smtClean="0"/>
+              <a:t>verfy</a:t>
+            </a:r>
+            <a:r>
+              <a:rPr lang="en-GB" dirty="0" smtClean="0"/>
+              <a:t> events are produced by having test listeners</a:t>
+            </a:r>
+          </a:p>
+          <a:p>
+            <a:r>
+              <a:rPr lang="en-GB" dirty="0" smtClean="0"/>
+              <a:t>Without an event bus you have long chains of method calls, making the code brittle</a:t>
             </a:r>
             <a:endParaRPr lang="en-GB" dirty="0"/>
           </a:p>
@@ -12975,160 +13573,6 @@
 </file>
 
 <file path=ppt/slides/slide26.xml><?xml version="1.0" encoding="utf-8"?>
-<p:sld xmlns:a="http://schemas.openxmlformats.org/drawingml/2006/main" xmlns:r="http://schemas.openxmlformats.org/officeDocument/2006/relationships" xmlns:mc="http://schemas.openxmlformats.org/markup-compatibility/2006" xmlns:mv="urn:schemas-microsoft-com:mac:vml" xmlns:p="http://schemas.openxmlformats.org/presentationml/2006/main" mc:Ignorable="mv" mc:PreserveAttributes="mv:*">
-  <p:cSld>
-    <p:spTree>
-      <p:nvGrpSpPr>
-        <p:cNvPr id="1" name=""/>
-        <p:cNvGrpSpPr/>
-        <p:nvPr/>
-      </p:nvGrpSpPr>
-      <p:grpSpPr>
-        <a:xfrm>
-          <a:off x="0" y="0"/>
-          <a:ext cx="0" cy="0"/>
-          <a:chOff x="0" y="0"/>
-          <a:chExt cx="0" cy="0"/>
-        </a:xfrm>
-      </p:grpSpPr>
-      <p:sp>
-        <p:nvSpPr>
-          <p:cNvPr id="2" name="Title 1"/>
-          <p:cNvSpPr>
-            <a:spLocks noGrp="1"/>
-          </p:cNvSpPr>
-          <p:nvPr>
-            <p:ph type="title"/>
-          </p:nvPr>
-        </p:nvSpPr>
-        <p:spPr/>
-        <p:txBody>
-          <a:bodyPr/>
-          <a:lstStyle/>
-          <a:p>
-            <a:r>
-              <a:rPr lang="en-GB" dirty="0" smtClean="0"/>
-              <a:t>Why have an Event Bus</a:t>
-            </a:r>
-            <a:endParaRPr lang="en-GB" dirty="0"/>
-          </a:p>
-        </p:txBody>
-      </p:sp>
-      <p:sp>
-        <p:nvSpPr>
-          <p:cNvPr id="3" name="Content Placeholder 2"/>
-          <p:cNvSpPr>
-            <a:spLocks noGrp="1"/>
-          </p:cNvSpPr>
-          <p:nvPr>
-            <p:ph idx="1"/>
-          </p:nvPr>
-        </p:nvSpPr>
-        <p:spPr/>
-        <p:txBody>
-          <a:bodyPr/>
-          <a:lstStyle/>
-          <a:p>
-            <a:r>
-              <a:rPr lang="en-GB" dirty="0" smtClean="0"/>
-              <a:t>Decouple components</a:t>
-            </a:r>
-          </a:p>
-          <a:p>
-            <a:pPr lvl="1"/>
-            <a:r>
-              <a:rPr lang="en-GB" dirty="0" smtClean="0"/>
-              <a:t>Consumers of events know nothing about the producers</a:t>
-            </a:r>
-          </a:p>
-          <a:p>
-            <a:pPr lvl="1"/>
-            <a:r>
-              <a:rPr lang="en-GB" dirty="0" smtClean="0"/>
-              <a:t>And </a:t>
-            </a:r>
-            <a:r>
-              <a:rPr lang="en-GB" dirty="0" err="1" smtClean="0"/>
-              <a:t>vica</a:t>
-            </a:r>
-            <a:r>
-              <a:rPr lang="en-GB" dirty="0" smtClean="0"/>
-              <a:t> versa</a:t>
-            </a:r>
-          </a:p>
-          <a:p>
-            <a:pPr lvl="1"/>
-            <a:r>
-              <a:rPr lang="en-GB" dirty="0" smtClean="0"/>
-              <a:t>Consumers don’t have to have an association with the producers</a:t>
-            </a:r>
-          </a:p>
-          <a:p>
-            <a:r>
-              <a:rPr lang="en-GB" dirty="0" smtClean="0"/>
-              <a:t>Greater flexibility for change</a:t>
-            </a:r>
-          </a:p>
-          <a:p>
-            <a:pPr lvl="1"/>
-            <a:r>
-              <a:rPr lang="en-GB" dirty="0" smtClean="0"/>
-              <a:t>Components can be moved and reused without changing the event handling</a:t>
-            </a:r>
-          </a:p>
-          <a:p>
-            <a:r>
-              <a:rPr lang="en-GB" dirty="0" smtClean="0"/>
-              <a:t>Assist with unit testing</a:t>
-            </a:r>
-          </a:p>
-          <a:p>
-            <a:pPr lvl="1"/>
-            <a:r>
-              <a:rPr lang="en-GB" dirty="0" smtClean="0"/>
-              <a:t>Possible to generate events without the UI components</a:t>
-            </a:r>
-          </a:p>
-          <a:p>
-            <a:pPr lvl="1"/>
-            <a:r>
-              <a:rPr lang="en-GB" dirty="0" smtClean="0"/>
-              <a:t>Possible to </a:t>
-            </a:r>
-            <a:r>
-              <a:rPr lang="en-GB" dirty="0" err="1" smtClean="0"/>
-              <a:t>verfy</a:t>
-            </a:r>
-            <a:r>
-              <a:rPr lang="en-GB" dirty="0" smtClean="0"/>
-              <a:t> events are produced by having test listeners</a:t>
-            </a:r>
-          </a:p>
-          <a:p>
-            <a:r>
-              <a:rPr lang="en-GB" dirty="0" smtClean="0"/>
-              <a:t>Without an event bus you have long chains of method calls, making the code brittle</a:t>
-            </a:r>
-            <a:endParaRPr lang="en-GB" dirty="0"/>
-          </a:p>
-        </p:txBody>
-      </p:sp>
-    </p:spTree>
-  </p:cSld>
-  <p:clrMapOvr>
-    <a:masterClrMapping/>
-  </p:clrMapOvr>
-  <p:timing>
-    <p:tnLst>
-      <p:par>
-        <p:cTn id="1" dur="indefinite" restart="never" nodeType="tmRoot"/>
-      </p:par>
-    </p:tnLst>
-  </p:timing>
-</p:sld>
-</file>
-
-<file path=ppt/slides/slide27.xml><?xml version="1.0" encoding="utf-8"?>
 <p:sld xmlns:a="http://schemas.openxmlformats.org/drawingml/2006/main" xmlns:r="http://schemas.openxmlformats.org/officeDocument/2006/relationships" xmlns:mc="http://schemas.openxmlformats.org/markup-compatibility/2006" xmlns:mv="urn:schemas-microsoft-com:mac:vml" xmlns:p="http://schemas.openxmlformats.org/presentationml/2006/main" mc:Ignorable="mv" mc:PreserveAttributes="mv:*">
   <p:cSld>
     <p:spTree>
@@ -13278,7 +13722,7 @@
 </p:sld>
 </file>
 
-<file path=ppt/slides/slide28.xml><?xml version="1.0" encoding="utf-8"?>
+<file path=ppt/slides/slide27.xml><?xml version="1.0" encoding="utf-8"?>
 <p:sld xmlns:a="http://schemas.openxmlformats.org/drawingml/2006/main" xmlns:r="http://schemas.openxmlformats.org/officeDocument/2006/relationships" xmlns:mc="http://schemas.openxmlformats.org/markup-compatibility/2006" xmlns:mv="urn:schemas-microsoft-com:mac:vml" xmlns:p="http://schemas.openxmlformats.org/presentationml/2006/main" mc:Ignorable="mv" mc:PreserveAttributes="mv:*">
   <p:cSld>
     <p:spTree>
@@ -13378,11 +13822,7 @@
             <a:pPr lvl="1"/>
             <a:r>
               <a:rPr lang="en-GB" dirty="0" smtClean="0"/>
-              <a:t>No guarantee of order</a:t>
-            </a:r>
-            <a:r>
-              <a:rPr lang="en-GB" dirty="0" smtClean="0"/>
-              <a:t>.</a:t>
+              <a:t>No guarantee of order.</a:t>
             </a:r>
           </a:p>
           <a:p>
@@ -13424,7 +13864,7 @@
 </p:sld>
 </file>
 
-<file path=ppt/slides/slide29.xml><?xml version="1.0" encoding="utf-8"?>
+<file path=ppt/slides/slide28.xml><?xml version="1.0" encoding="utf-8"?>
 <p:sld xmlns:a="http://schemas.openxmlformats.org/drawingml/2006/main" xmlns:r="http://schemas.openxmlformats.org/officeDocument/2006/relationships" xmlns:mc="http://schemas.openxmlformats.org/markup-compatibility/2006" xmlns:mv="urn:schemas-microsoft-com:mac:vml" xmlns:p="http://schemas.openxmlformats.org/presentationml/2006/main" mc:Ignorable="mv" mc:PreserveAttributes="mv:*">
   <p:cSld>
     <p:spTree>
@@ -13530,6 +13970,135 @@
 </p:sld>
 </file>
 
+<file path=ppt/slides/slide29.xml><?xml version="1.0" encoding="utf-8"?>
+<p:sld xmlns:a="http://schemas.openxmlformats.org/drawingml/2006/main" xmlns:r="http://schemas.openxmlformats.org/officeDocument/2006/relationships" xmlns:mc="http://schemas.openxmlformats.org/markup-compatibility/2006" xmlns:mv="urn:schemas-microsoft-com:mac:vml" xmlns:p="http://schemas.openxmlformats.org/presentationml/2006/main" mc:Ignorable="mv" mc:PreserveAttributes="mv:*">
+  <p:cSld>
+    <p:spTree>
+      <p:nvGrpSpPr>
+        <p:cNvPr id="1" name=""/>
+        <p:cNvGrpSpPr/>
+        <p:nvPr/>
+      </p:nvGrpSpPr>
+      <p:grpSpPr>
+        <a:xfrm>
+          <a:off x="0" y="0"/>
+          <a:ext cx="0" cy="0"/>
+          <a:chOff x="0" y="0"/>
+          <a:chExt cx="0" cy="0"/>
+        </a:xfrm>
+      </p:grpSpPr>
+      <p:sp>
+        <p:nvSpPr>
+          <p:cNvPr id="5" name="Title 4"/>
+          <p:cNvSpPr>
+            <a:spLocks noGrp="1"/>
+          </p:cNvSpPr>
+          <p:nvPr>
+            <p:ph type="title"/>
+          </p:nvPr>
+        </p:nvSpPr>
+        <p:spPr/>
+        <p:txBody>
+          <a:bodyPr/>
+          <a:lstStyle/>
+          <a:p>
+            <a:r>
+              <a:rPr lang="en-US" dirty="0" smtClean="0"/>
+              <a:t>Two modes of database access</a:t>
+            </a:r>
+            <a:endParaRPr lang="en-US" dirty="0"/>
+          </a:p>
+        </p:txBody>
+      </p:sp>
+      <p:sp>
+        <p:nvSpPr>
+          <p:cNvPr id="6" name="Content Placeholder 5"/>
+          <p:cNvSpPr>
+            <a:spLocks noGrp="1"/>
+          </p:cNvSpPr>
+          <p:nvPr>
+            <p:ph idx="1"/>
+          </p:nvPr>
+        </p:nvSpPr>
+        <p:spPr/>
+        <p:txBody>
+          <a:bodyPr/>
+          <a:lstStyle/>
+          <a:p>
+            <a:r>
+              <a:rPr lang="en-US" dirty="0" smtClean="0"/>
+              <a:t>Java Persistence API JPA Container</a:t>
+            </a:r>
+          </a:p>
+          <a:p>
+            <a:pPr lvl="1"/>
+            <a:r>
+              <a:rPr lang="en-US" dirty="0" smtClean="0"/>
+              <a:t>Vaadin Add-On</a:t>
+            </a:r>
+          </a:p>
+          <a:p>
+            <a:pPr lvl="1"/>
+            <a:r>
+              <a:rPr lang="en-US" dirty="0" smtClean="0"/>
+              <a:t>Backs all UI tables</a:t>
+            </a:r>
+          </a:p>
+          <a:p>
+            <a:pPr lvl="1"/>
+            <a:r>
+              <a:rPr lang="en-US" dirty="0" smtClean="0"/>
+              <a:t>Form editing operates on items (db row) taken from the container (db table)</a:t>
+            </a:r>
+          </a:p>
+          <a:p>
+            <a:r>
+              <a:rPr lang="en-US" dirty="0" smtClean="0"/>
+              <a:t>Hibernate Entity Manager </a:t>
+            </a:r>
+          </a:p>
+          <a:p>
+            <a:pPr lvl="1"/>
+            <a:r>
+              <a:rPr lang="en-US" dirty="0" smtClean="0"/>
+              <a:t>Used for ad hoc queries and updates.</a:t>
+            </a:r>
+          </a:p>
+          <a:p>
+            <a:pPr lvl="1"/>
+            <a:r>
+              <a:rPr lang="en-US" dirty="0" smtClean="0"/>
+              <a:t>Wrapped in Data Access Objects DAO’s </a:t>
+            </a:r>
+          </a:p>
+          <a:p>
+            <a:pPr lvl="1"/>
+            <a:r>
+              <a:rPr lang="en-US" dirty="0" smtClean="0"/>
+              <a:t>Also used for stored procedure calling</a:t>
+            </a:r>
+          </a:p>
+          <a:p>
+            <a:pPr lvl="1"/>
+            <a:endParaRPr lang="en-US" dirty="0" smtClean="0"/>
+          </a:p>
+        </p:txBody>
+      </p:sp>
+    </p:spTree>
+  </p:cSld>
+  <p:clrMapOvr>
+    <a:masterClrMapping/>
+  </p:clrMapOvr>
+  <p:timing>
+    <p:tnLst>
+      <p:par>
+        <p:cTn id="1" dur="indefinite" restart="never" nodeType="tmRoot"/>
+      </p:par>
+    </p:tnLst>
+  </p:timing>
+</p:sld>
+</file>
+
 <file path=ppt/slides/slide3.xml><?xml version="1.0" encoding="utf-8"?>
 <p:sld xmlns:a="http://schemas.openxmlformats.org/drawingml/2006/main" xmlns:r="http://schemas.openxmlformats.org/officeDocument/2006/relationships" xmlns:mc="http://schemas.openxmlformats.org/markup-compatibility/2006" xmlns:mv="urn:schemas-microsoft-com:mac:vml" xmlns:p="http://schemas.openxmlformats.org/presentationml/2006/main" mc:Ignorable="mv" mc:PreserveAttributes="mv:*">
   <p:cSld>
@@ -13607,7 +14176,7 @@
           <a:p>
             <a:r>
               <a:rPr lang="en-GB" dirty="0" smtClean="0"/>
-              <a:t>Web application framework for RIA</a:t>
+              <a:t>Web application framework for RIA (Rich Internet Application)</a:t>
             </a:r>
           </a:p>
           <a:p>
@@ -13708,7 +14277,7 @@
           <a:p>
             <a:r>
               <a:rPr lang="en-US" dirty="0" smtClean="0"/>
-              <a:t>Two modes of database access</a:t>
+              <a:t>Entity managers are shared</a:t>
             </a:r>
             <a:endParaRPr lang="en-US" dirty="0"/>
           </a:p>
@@ -13731,60 +14300,44 @@
           <a:p>
             <a:r>
               <a:rPr lang="en-US" dirty="0" smtClean="0"/>
-              <a:t>Java Persistence API JPA Container</a:t>
+              <a:t>Both forms of access reuse the Seam Entity Managers</a:t>
             </a:r>
           </a:p>
           <a:p>
             <a:pPr lvl="1"/>
             <a:r>
               <a:rPr lang="en-US" dirty="0" smtClean="0"/>
-              <a:t>Vaadin Add-On</a:t>
+              <a:t>Accessed through Entity Provider</a:t>
             </a:r>
           </a:p>
           <a:p>
             <a:pPr lvl="1"/>
             <a:r>
               <a:rPr lang="en-US" dirty="0" smtClean="0"/>
-              <a:t>Backs all UI tables</a:t>
+              <a:t>Two entity managers used.</a:t>
             </a:r>
           </a:p>
           <a:p>
             <a:pPr lvl="1"/>
             <a:r>
               <a:rPr lang="en-US" dirty="0" smtClean="0"/>
-              <a:t>Form editing operates on items taken from the container</a:t>
-            </a:r>
-          </a:p>
-          <a:p>
-            <a:r>
-              <a:rPr lang="en-US" dirty="0" smtClean="0"/>
-              <a:t>Hibernate Entity Manager </a:t>
+              <a:t>	Normal and Temporary</a:t>
             </a:r>
           </a:p>
           <a:p>
             <a:pPr lvl="1"/>
             <a:r>
               <a:rPr lang="en-US" dirty="0" smtClean="0"/>
-              <a:t>Used for ad hoc queries and updates.</a:t>
+              <a:t>	Temporary used for database views.</a:t>
             </a:r>
           </a:p>
           <a:p>
             <a:pPr lvl="1"/>
             <a:r>
               <a:rPr lang="en-US" dirty="0" smtClean="0"/>
-              <a:t>Wrapped in Data Access Objects DAO’s </a:t>
-            </a:r>
-          </a:p>
-          <a:p>
-            <a:pPr lvl="1"/>
-            <a:r>
-              <a:rPr lang="en-US" dirty="0" smtClean="0"/>
-              <a:t>Also used for stored procedure calling</a:t>
-            </a:r>
-          </a:p>
-          <a:p>
-            <a:pPr lvl="1"/>
-            <a:endParaRPr lang="en-US" dirty="0" smtClean="0"/>
+              <a:t>		Temporary has clear method to force read from DB </a:t>
+            </a:r>
+            <a:endParaRPr lang="en-US" dirty="0"/>
           </a:p>
         </p:txBody>
       </p:sp>
@@ -13822,7 +14375,7 @@
       </p:grpSpPr>
       <p:sp>
         <p:nvSpPr>
-          <p:cNvPr id="5" name="Title 4"/>
+          <p:cNvPr id="2" name="Title 1"/>
           <p:cNvSpPr>
             <a:spLocks noGrp="1"/>
           </p:cNvSpPr>
@@ -13837,7 +14390,7 @@
           <a:p>
             <a:r>
               <a:rPr lang="en-US" dirty="0" smtClean="0"/>
-              <a:t>Entity managers are shared</a:t>
+              <a:t>Hibernate Part One</a:t>
             </a:r>
             <a:endParaRPr lang="en-US" dirty="0"/>
           </a:p>
@@ -13845,7 +14398,7 @@
       </p:sp>
       <p:sp>
         <p:nvSpPr>
-          <p:cNvPr id="6" name="Content Placeholder 5"/>
+          <p:cNvPr id="3" name="Content Placeholder 2"/>
           <p:cNvSpPr>
             <a:spLocks noGrp="1"/>
           </p:cNvSpPr>
@@ -13860,43 +14413,73 @@
           <a:p>
             <a:r>
               <a:rPr lang="en-US" dirty="0" smtClean="0"/>
-              <a:t>Both forms of access reuse the Seam Entity Managers</a:t>
+              <a:t>Object relational mapping (ORM)</a:t>
+            </a:r>
+          </a:p>
+          <a:p>
+            <a:r>
+              <a:rPr lang="en-US" dirty="0" smtClean="0"/>
+              <a:t>Hibernate is an implementation of JPA</a:t>
             </a:r>
           </a:p>
           <a:p>
             <a:pPr lvl="1"/>
             <a:r>
               <a:rPr lang="en-US" dirty="0" smtClean="0"/>
-              <a:t>Accessed through Entity Provider</a:t>
+              <a:t>Top link / Eclipse Link is another variant</a:t>
+            </a:r>
+          </a:p>
+          <a:p>
+            <a:r>
+              <a:rPr lang="en-US" dirty="0" smtClean="0"/>
+              <a:t>Mapping to tables and rows done with annotations.</a:t>
             </a:r>
           </a:p>
           <a:p>
             <a:pPr lvl="1"/>
             <a:r>
-              <a:rPr lang="en-US" dirty="0" smtClean="0"/>
-              <a:t>Two entity managers used.</a:t>
+              <a:rPr lang="en-US" dirty="0" smtClean="0">
+                <a:hlinkClick r:id="rId2" action="ppaction://hlinkfile"/>
+              </a:rPr>
+              <a:t>ClientCashReceipt.java</a:t>
+            </a:r>
+            <a:endParaRPr lang="en-US" dirty="0" smtClean="0"/>
+          </a:p>
+          <a:p>
+            <a:r>
+              <a:rPr lang="en-US" dirty="0" smtClean="0"/>
+              <a:t>Uses standard optimistic locking </a:t>
             </a:r>
           </a:p>
           <a:p>
             <a:pPr lvl="1"/>
             <a:r>
               <a:rPr lang="en-US" dirty="0" smtClean="0"/>
-              <a:t>	Normal and Temporary</a:t>
+              <a:t>OPT_VER column.</a:t>
             </a:r>
           </a:p>
           <a:p>
             <a:pPr lvl="1"/>
             <a:r>
               <a:rPr lang="en-US" dirty="0" smtClean="0"/>
-              <a:t>	Temporary used for database views.</a:t>
-            </a:r>
+              <a:t>Happens automagically </a:t>
+            </a:r>
+            <a:endParaRPr lang="en-US" dirty="0" smtClean="0">
+              <a:hlinkClick r:id="rId3" action="ppaction://hlinkfile"/>
+            </a:endParaRPr>
           </a:p>
           <a:p>
             <a:pPr lvl="1"/>
             <a:r>
-              <a:rPr lang="en-US" dirty="0" smtClean="0"/>
-              <a:t>		Temporary has clear method to force read from DB </a:t>
-            </a:r>
+              <a:rPr lang="en-US" dirty="0" smtClean="0">
+                <a:hlinkClick r:id="rId3" action="ppaction://hlinkfile"/>
+              </a:rPr>
+              <a:t>VersionedEntity.java</a:t>
+            </a:r>
+            <a:endParaRPr lang="en-US" dirty="0" smtClean="0"/>
+          </a:p>
+          <a:p>
+            <a:pPr lvl="1"/>
             <a:endParaRPr lang="en-US" dirty="0"/>
           </a:p>
         </p:txBody>
@@ -13950,7 +14533,7 @@
           <a:p>
             <a:r>
               <a:rPr lang="en-US" dirty="0" smtClean="0"/>
-              <a:t>Hibernate Part One</a:t>
+              <a:t>Hibernate Part Two</a:t>
             </a:r>
             <a:endParaRPr lang="en-US" dirty="0"/>
           </a:p>
@@ -13968,31 +14551,26 @@
         </p:nvSpPr>
         <p:spPr/>
         <p:txBody>
-          <a:bodyPr/>
+          <a:bodyPr>
+            <a:normAutofit lnSpcReduction="10000"/>
+          </a:bodyPr>
           <a:lstStyle/>
           <a:p>
             <a:r>
               <a:rPr lang="en-US" dirty="0" smtClean="0"/>
-              <a:t>Object relational mapping (ORM)</a:t>
-            </a:r>
-          </a:p>
-          <a:p>
-            <a:r>
-              <a:rPr lang="en-US" dirty="0" smtClean="0"/>
-              <a:t>Hibernate is an implementation of JPA</a:t>
-            </a:r>
-          </a:p>
-          <a:p>
-            <a:pPr lvl="1"/>
-            <a:r>
-              <a:rPr lang="en-US" dirty="0" smtClean="0"/>
-              <a:t>Top link / Eclipse Link is another variant</a:t>
-            </a:r>
-          </a:p>
-          <a:p>
-            <a:r>
-              <a:rPr lang="en-US" dirty="0" smtClean="0"/>
-              <a:t>Mapping to tables and rows done with annotations.</a:t>
+              <a:t>Transactions started manually, apart from in JPA Container.</a:t>
+            </a:r>
+          </a:p>
+          <a:p>
+            <a:r>
+              <a:rPr lang="en-US" dirty="0" smtClean="0"/>
+              <a:t>Named Queries used to access database.</a:t>
+            </a:r>
+          </a:p>
+          <a:p>
+            <a:r>
+              <a:rPr lang="en-US" dirty="0" smtClean="0"/>
+              <a:t>Called from DAO’s</a:t>
             </a:r>
           </a:p>
           <a:p>
@@ -14001,32 +14579,9 @@
               <a:rPr lang="en-US" dirty="0" smtClean="0">
                 <a:hlinkClick r:id="rId2" action="ppaction://hlinkfile"/>
               </a:rPr>
-              <a:t>ClientCashReceipt.java</a:t>
+              <a:t>ClientInvoiceAllocation.java</a:t>
             </a:r>
             <a:endParaRPr lang="en-US" dirty="0" smtClean="0"/>
-          </a:p>
-          <a:p>
-            <a:r>
-              <a:rPr lang="en-US" dirty="0" smtClean="0"/>
-              <a:t>Uses standard optimistic locking </a:t>
-            </a:r>
-          </a:p>
-          <a:p>
-            <a:pPr lvl="1"/>
-            <a:r>
-              <a:rPr lang="en-US" dirty="0" smtClean="0"/>
-              <a:t>OPT_VER column.</a:t>
-            </a:r>
-          </a:p>
-          <a:p>
-            <a:pPr lvl="1"/>
-            <a:r>
-              <a:rPr lang="en-US" dirty="0" smtClean="0"/>
-              <a:t>Happens automagically </a:t>
-            </a:r>
-            <a:endParaRPr lang="en-US" dirty="0" smtClean="0">
-              <a:hlinkClick r:id="rId3" action="ppaction://hlinkfile"/>
-            </a:endParaRPr>
           </a:p>
           <a:p>
             <a:pPr lvl="1"/>
@@ -14034,8 +14589,64 @@
               <a:rPr lang="en-US" dirty="0" smtClean="0">
                 <a:hlinkClick r:id="rId3" action="ppaction://hlinkfile"/>
               </a:rPr>
-              <a:t>VersionedEntity.java</a:t>
-            </a:r>
+              <a:t>ClientInvoiceAllocationDAO.java</a:t>
+            </a:r>
+            <a:endParaRPr lang="en-US" dirty="0" smtClean="0"/>
+          </a:p>
+          <a:p>
+            <a:r>
+              <a:rPr lang="en-US" dirty="0" smtClean="0"/>
+              <a:t>DB Views gotcha</a:t>
+            </a:r>
+          </a:p>
+          <a:p>
+            <a:pPr lvl="1"/>
+            <a:r>
+              <a:rPr lang="en-US" dirty="0" smtClean="0"/>
+              <a:t>Hibernate maintains a cache, so we need to clear the persistence context so that data is refreshed from the database.</a:t>
+            </a:r>
+          </a:p>
+          <a:p>
+            <a:r>
+              <a:rPr lang="en-US" dirty="0" smtClean="0"/>
+              <a:t>Standard mechanism to call stored procedures</a:t>
+            </a:r>
+          </a:p>
+          <a:p>
+            <a:pPr lvl="1"/>
+            <a:r>
+              <a:rPr lang="en-US" dirty="0" smtClean="0"/>
+              <a:t>Managed transaction</a:t>
+            </a:r>
+          </a:p>
+          <a:p>
+            <a:pPr lvl="1"/>
+            <a:r>
+              <a:rPr lang="en-US" dirty="0" smtClean="0"/>
+              <a:t>All have a return code and message.</a:t>
+            </a:r>
+          </a:p>
+          <a:p>
+            <a:r>
+              <a:rPr lang="en-US" dirty="0" smtClean="0"/>
+              <a:t>Rollback gotcha</a:t>
+            </a:r>
+          </a:p>
+          <a:p>
+            <a:pPr lvl="1"/>
+            <a:r>
+              <a:rPr lang="en-US" dirty="0" smtClean="0"/>
+              <a:t>A rollback detaches all entities, session needs to be restarted.</a:t>
+            </a:r>
+          </a:p>
+          <a:p>
+            <a:pPr lvl="1"/>
+            <a:r>
+              <a:rPr lang="en-US" dirty="0" smtClean="0"/>
+              <a:t>	I.e. go back to a searcher</a:t>
+            </a:r>
+          </a:p>
+          <a:p>
             <a:endParaRPr lang="en-US" dirty="0" smtClean="0"/>
           </a:p>
           <a:p>
@@ -14093,7 +14704,7 @@
           <a:p>
             <a:r>
               <a:rPr lang="en-US" dirty="0" smtClean="0"/>
-              <a:t>Hibernate Part Two</a:t>
+              <a:t>JPA Container</a:t>
             </a:r>
             <a:endParaRPr lang="en-US" dirty="0"/>
           </a:p>
@@ -14111,26 +14722,40 @@
         </p:nvSpPr>
         <p:spPr/>
         <p:txBody>
-          <a:bodyPr>
-            <a:normAutofit lnSpcReduction="10000"/>
-          </a:bodyPr>
+          <a:bodyPr/>
           <a:lstStyle/>
           <a:p>
             <a:r>
               <a:rPr lang="en-US" dirty="0" smtClean="0"/>
-              <a:t>Transactions started manually, apart from in JPA Container.</a:t>
-            </a:r>
-          </a:p>
-          <a:p>
-            <a:r>
-              <a:rPr lang="en-US" dirty="0" smtClean="0"/>
-              <a:t>Named Queries used to access database.</a:t>
-            </a:r>
-          </a:p>
-          <a:p>
-            <a:r>
-              <a:rPr lang="en-US" dirty="0" smtClean="0"/>
-              <a:t>Called from DAO’s</a:t>
+              <a:t>Code example</a:t>
+            </a:r>
+          </a:p>
+          <a:p>
+            <a:pPr lvl="1"/>
+            <a:r>
+              <a:rPr lang="en-US" dirty="0" smtClean="0"/>
+              <a:t>Created using factory</a:t>
+            </a:r>
+          </a:p>
+          <a:p>
+            <a:pPr lvl="1"/>
+            <a:r>
+              <a:rPr lang="en-US" dirty="0" smtClean="0"/>
+              <a:t>Container has a one to one mapping with a table or view</a:t>
+            </a:r>
+          </a:p>
+          <a:p>
+            <a:pPr lvl="1"/>
+            <a:r>
+              <a:rPr lang="en-US" dirty="0" smtClean="0"/>
+              <a:t>Nested properties create joins </a:t>
+            </a:r>
+          </a:p>
+          <a:p>
+            <a:pPr lvl="1"/>
+            <a:r>
+              <a:rPr lang="en-US" dirty="0" smtClean="0"/>
+              <a:t>Removing properties stops a join. (Improves performance)</a:t>
             </a:r>
           </a:p>
           <a:p>
@@ -14139,9 +14764,16 @@
               <a:rPr lang="en-US" dirty="0" smtClean="0">
                 <a:hlinkClick r:id="rId2" action="ppaction://hlinkfile"/>
               </a:rPr>
-              <a:t>ClientInvoiceAllocation.java</a:t>
+              <a:t>ClientCashReceiptAuditContainerFactory.java</a:t>
             </a:r>
             <a:endParaRPr lang="en-US" dirty="0" smtClean="0"/>
+          </a:p>
+          <a:p>
+            <a:pPr lvl="1"/>
+            <a:r>
+              <a:rPr lang="en-US" dirty="0" smtClean="0"/>
+              <a:t>Filtering provides way of doing queries</a:t>
+            </a:r>
           </a:p>
           <a:p>
             <a:pPr lvl="1"/>
@@ -14149,73 +14781,8 @@
               <a:rPr lang="en-US" dirty="0" smtClean="0">
                 <a:hlinkClick r:id="rId3" action="ppaction://hlinkfile"/>
               </a:rPr>
-              <a:t>ClientInvoiceAllocationDAO.java</a:t>
-            </a:r>
-            <a:endParaRPr lang="en-US" dirty="0" smtClean="0"/>
-          </a:p>
-          <a:p>
-            <a:r>
-              <a:rPr lang="en-US" dirty="0" smtClean="0"/>
-              <a:t>DB Views gotcha</a:t>
-            </a:r>
-          </a:p>
-          <a:p>
-            <a:pPr lvl="1"/>
-            <a:r>
-              <a:rPr lang="en-US" dirty="0" smtClean="0"/>
-              <a:t>Hibernate maintains a cache, so we need to clear the persistence context so that data is refreshed from the database.</a:t>
-            </a:r>
-          </a:p>
-          <a:p>
-            <a:r>
-              <a:rPr lang="en-US" dirty="0" smtClean="0"/>
-              <a:t>Standard mechanism to call stored procedures</a:t>
-            </a:r>
-          </a:p>
-          <a:p>
-            <a:pPr lvl="1"/>
-            <a:r>
-              <a:rPr lang="en-US" dirty="0" smtClean="0"/>
-              <a:t>Managed transaction</a:t>
-            </a:r>
-          </a:p>
-          <a:p>
-            <a:pPr lvl="1"/>
-            <a:r>
-              <a:rPr lang="en-US" dirty="0" smtClean="0"/>
-              <a:t>All have a return code and message.</a:t>
-            </a:r>
-          </a:p>
-          <a:p>
-            <a:r>
-              <a:rPr lang="en-US" dirty="0" smtClean="0"/>
-              <a:t>Rollback gotcha</a:t>
-            </a:r>
-          </a:p>
-          <a:p>
-            <a:pPr lvl="1"/>
-            <a:r>
-              <a:rPr lang="en-US" dirty="0" smtClean="0"/>
-              <a:t>A rollback detaches all entities, session needs to be restarted</a:t>
-            </a:r>
-            <a:r>
-              <a:rPr lang="en-US" dirty="0" smtClean="0"/>
-              <a:t>.</a:t>
-            </a:r>
-          </a:p>
-          <a:p>
-            <a:pPr lvl="1"/>
-            <a:r>
-              <a:rPr lang="en-US" dirty="0" smtClean="0"/>
-              <a:t>	I.e. go back to a searcher</a:t>
-            </a:r>
-            <a:endParaRPr lang="en-US" dirty="0" smtClean="0"/>
-          </a:p>
-          <a:p>
-            <a:endParaRPr lang="en-US" dirty="0" smtClean="0"/>
-          </a:p>
-          <a:p>
-            <a:pPr lvl="1"/>
+              <a:t>ContainerFilterExample.java</a:t>
+            </a:r>
             <a:endParaRPr lang="en-US" dirty="0"/>
           </a:p>
         </p:txBody>
@@ -14252,9 +14819,32 @@
           <a:chExt cx="0" cy="0"/>
         </a:xfrm>
       </p:grpSpPr>
-      <p:sp>
-        <p:nvSpPr>
-          <p:cNvPr id="2" name="Title 1"/>
+      <p:pic>
+        <p:nvPicPr>
+          <p:cNvPr id="5" name="Picture Placeholder 4" descr="mvc-mvp.png"/>
+          <p:cNvPicPr>
+            <a:picLocks noGrp="1" noChangeAspect="1"/>
+          </p:cNvPicPr>
+          <p:nvPr>
+            <p:ph type="pic" sz="quarter" idx="10"/>
+          </p:nvPr>
+        </p:nvPicPr>
+        <p:blipFill>
+          <a:blip r:embed="rId3"/>
+          <a:stretch>
+            <a:fillRect/>
+          </a:stretch>
+        </p:blipFill>
+        <p:spPr>
+          <a:xfrm>
+            <a:off x="2246744" y="2492896"/>
+            <a:ext cx="4207686" cy="2800741"/>
+          </a:xfrm>
+        </p:spPr>
+      </p:pic>
+      <p:sp>
+        <p:nvSpPr>
+          <p:cNvPr id="3" name="Title 2"/>
           <p:cNvSpPr>
             <a:spLocks noGrp="1"/>
           </p:cNvSpPr>
@@ -14267,88 +14857,14 @@
           <a:bodyPr/>
           <a:lstStyle/>
           <a:p>
-            <a:r>
-              <a:rPr lang="en-US" dirty="0" smtClean="0"/>
-              <a:t>JPA Container</a:t>
-            </a:r>
-            <a:endParaRPr lang="en-US" dirty="0"/>
-          </a:p>
-        </p:txBody>
-      </p:sp>
-      <p:sp>
-        <p:nvSpPr>
-          <p:cNvPr id="3" name="Content Placeholder 2"/>
-          <p:cNvSpPr>
-            <a:spLocks noGrp="1"/>
-          </p:cNvSpPr>
-          <p:nvPr>
-            <p:ph idx="1"/>
-          </p:nvPr>
-        </p:nvSpPr>
-        <p:spPr/>
-        <p:txBody>
-          <a:bodyPr/>
-          <a:lstStyle/>
-          <a:p>
-            <a:r>
-              <a:rPr lang="en-US" dirty="0" smtClean="0"/>
-              <a:t>Code example</a:t>
-            </a:r>
-          </a:p>
-          <a:p>
-            <a:pPr lvl="1"/>
-            <a:r>
-              <a:rPr lang="en-US" dirty="0" smtClean="0"/>
-              <a:t>Created using factory</a:t>
-            </a:r>
-          </a:p>
-          <a:p>
-            <a:pPr lvl="1"/>
-            <a:r>
-              <a:rPr lang="en-US" dirty="0" smtClean="0"/>
-              <a:t>Container has a one to one mapping with a table or view</a:t>
-            </a:r>
-          </a:p>
-          <a:p>
-            <a:pPr lvl="1"/>
-            <a:r>
-              <a:rPr lang="en-US" dirty="0" smtClean="0"/>
-              <a:t>Nested properties create joins </a:t>
-            </a:r>
-          </a:p>
-          <a:p>
-            <a:pPr lvl="1"/>
-            <a:r>
-              <a:rPr lang="en-US" dirty="0" smtClean="0"/>
-              <a:t>Removing properties stops a join. (Improves performance)</a:t>
-            </a:r>
-          </a:p>
-          <a:p>
-            <a:pPr lvl="1"/>
-            <a:r>
-              <a:rPr lang="en-US" dirty="0" smtClean="0">
-                <a:hlinkClick r:id="rId2" action="ppaction://hlinkfile"/>
-              </a:rPr>
-              <a:t>ClientCashReceiptAuditContainerFactory.java</a:t>
-            </a:r>
-            <a:endParaRPr lang="en-US" dirty="0" smtClean="0"/>
-          </a:p>
-          <a:p>
-            <a:pPr lvl="1"/>
-            <a:r>
-              <a:rPr lang="en-US" dirty="0" smtClean="0"/>
-              <a:t>Filtering provides way of doing queries</a:t>
-            </a:r>
-          </a:p>
-          <a:p>
-            <a:pPr lvl="1"/>
-            <a:r>
-              <a:rPr lang="en-US" dirty="0" smtClean="0">
-                <a:hlinkClick r:id="rId3" action="ppaction://hlinkfile"/>
-              </a:rPr>
-              <a:t>ContainerFilterExample.java</a:t>
-            </a:r>
-            <a:endParaRPr lang="en-US" dirty="0"/>
+            <a:pPr>
+              <a:buNone/>
+            </a:pPr>
+            <a:r>
+              <a:rPr lang="en-GB" dirty="0" smtClean="0"/>
+              <a:t>Fremantle Software Architecture</a:t>
+            </a:r>
+            <a:endParaRPr lang="en-GB" dirty="0"/>
           </a:p>
         </p:txBody>
       </p:sp>
@@ -14384,55 +14900,48 @@
           <a:chExt cx="0" cy="0"/>
         </a:xfrm>
       </p:grpSpPr>
+      <p:sp>
+        <p:nvSpPr>
+          <p:cNvPr id="5" name="Title 4"/>
+          <p:cNvSpPr>
+            <a:spLocks noGrp="1"/>
+          </p:cNvSpPr>
+          <p:nvPr>
+            <p:ph type="title"/>
+          </p:nvPr>
+        </p:nvSpPr>
+        <p:spPr/>
+        <p:txBody>
+          <a:bodyPr/>
+          <a:lstStyle/>
+          <a:p>
+            <a:r>
+              <a:rPr lang="en-US" dirty="0" smtClean="0"/>
+              <a:t>Layered design</a:t>
+            </a:r>
+            <a:endParaRPr lang="en-US" dirty="0"/>
+          </a:p>
+        </p:txBody>
+      </p:sp>
       <p:pic>
         <p:nvPicPr>
-          <p:cNvPr id="5" name="Picture Placeholder 4" descr="mvc-mvp.png"/>
+          <p:cNvPr id="7" name="Content Placeholder 6" descr="arch.png"/>
           <p:cNvPicPr>
             <a:picLocks noGrp="1" noChangeAspect="1"/>
           </p:cNvPicPr>
           <p:nvPr>
-            <p:ph type="pic" sz="quarter" idx="10"/>
+            <p:ph idx="1"/>
           </p:nvPr>
         </p:nvPicPr>
         <p:blipFill>
-          <a:blip r:embed="rId3"/>
+          <a:blip r:embed="rId2"/>
+          <a:srcRect l="-37784" r="-37784"/>
           <a:stretch>
             <a:fillRect/>
           </a:stretch>
         </p:blipFill>
-        <p:spPr>
-          <a:xfrm>
-            <a:off x="2246744" y="2492896"/>
-            <a:ext cx="4207686" cy="2800741"/>
-          </a:xfrm>
-        </p:spPr>
+        <p:spPr/>
       </p:pic>
-      <p:sp>
-        <p:nvSpPr>
-          <p:cNvPr id="3" name="Title 2"/>
-          <p:cNvSpPr>
-            <a:spLocks noGrp="1"/>
-          </p:cNvSpPr>
-          <p:nvPr>
-            <p:ph type="title"/>
-          </p:nvPr>
-        </p:nvSpPr>
-        <p:spPr/>
-        <p:txBody>
-          <a:bodyPr/>
-          <a:lstStyle/>
-          <a:p>
-            <a:pPr>
-              <a:buNone/>
-            </a:pPr>
-            <a:r>
-              <a:rPr lang="en-GB" dirty="0" smtClean="0"/>
-              <a:t>Fremantle Software Architecture</a:t>
-            </a:r>
-            <a:endParaRPr lang="en-GB" dirty="0"/>
-          </a:p>
-        </p:txBody>
-      </p:sp>
     </p:spTree>
   </p:cSld>
   <p:clrMapOvr>
@@ -14467,7 +14976,7 @@
       </p:grpSpPr>
       <p:sp>
         <p:nvSpPr>
-          <p:cNvPr id="5" name="Title 4"/>
+          <p:cNvPr id="2" name="Title 1"/>
           <p:cNvSpPr>
             <a:spLocks noGrp="1"/>
           </p:cNvSpPr>
@@ -14482,7 +14991,7 @@
           <a:p>
             <a:r>
               <a:rPr lang="en-US" dirty="0" smtClean="0"/>
-              <a:t>Layered design</a:t>
+              <a:t>Model View Presenter Part One</a:t>
             </a:r>
             <a:endParaRPr lang="en-US" dirty="0"/>
           </a:p>
@@ -14490,7 +14999,7 @@
       </p:sp>
       <p:pic>
         <p:nvPicPr>
-          <p:cNvPr id="7" name="Content Placeholder 6" descr="arch.png"/>
+          <p:cNvPr id="4" name="Content Placeholder 3" descr="mvp.tiff"/>
           <p:cNvPicPr>
             <a:picLocks noGrp="1" noChangeAspect="1"/>
           </p:cNvPicPr>
@@ -14500,7 +15009,7 @@
         </p:nvPicPr>
         <p:blipFill>
           <a:blip r:embed="rId2"/>
-          <a:srcRect l="-37784" r="-37784"/>
+          <a:srcRect l="-47136" r="-47136"/>
           <a:stretch>
             <a:fillRect/>
           </a:stretch>
@@ -14556,31 +15065,109 @@
           <a:p>
             <a:r>
               <a:rPr lang="en-US" dirty="0" smtClean="0"/>
-              <a:t>Model View Presenter Part One</a:t>
+              <a:t>Model View Presenter Part Two</a:t>
             </a:r>
             <a:endParaRPr lang="en-US" dirty="0"/>
           </a:p>
         </p:txBody>
       </p:sp>
-      <p:pic>
-        <p:nvPicPr>
-          <p:cNvPr id="4" name="Content Placeholder 3" descr="mvp.tiff"/>
-          <p:cNvPicPr>
-            <a:picLocks noGrp="1" noChangeAspect="1"/>
-          </p:cNvPicPr>
+      <p:sp>
+        <p:nvSpPr>
+          <p:cNvPr id="5" name="Content Placeholder 4"/>
+          <p:cNvSpPr>
+            <a:spLocks noGrp="1"/>
+          </p:cNvSpPr>
           <p:nvPr>
             <p:ph idx="1"/>
           </p:nvPr>
-        </p:nvPicPr>
-        <p:blipFill>
-          <a:blip r:embed="rId2"/>
-          <a:srcRect l="-47136" r="-47136"/>
-          <a:stretch>
-            <a:fillRect/>
-          </a:stretch>
-        </p:blipFill>
+        </p:nvSpPr>
         <p:spPr/>
-      </p:pic>
+        <p:txBody>
+          <a:bodyPr/>
+          <a:lstStyle/>
+          <a:p>
+            <a:r>
+              <a:rPr lang="en-US" dirty="0" smtClean="0"/>
+              <a:t>Model</a:t>
+            </a:r>
+          </a:p>
+          <a:p>
+            <a:pPr lvl="1"/>
+            <a:r>
+              <a:rPr lang="en-US" dirty="0" smtClean="0"/>
+              <a:t>In most cases the model is a JPAContainer or EntityItem</a:t>
+            </a:r>
+          </a:p>
+          <a:p>
+            <a:pPr lvl="1"/>
+            <a:r>
+              <a:rPr lang="en-US" dirty="0" smtClean="0"/>
+              <a:t>Typically built by the presenter and passed to the view.</a:t>
+            </a:r>
+          </a:p>
+          <a:p>
+            <a:pPr lvl="1"/>
+            <a:r>
+              <a:rPr lang="en-US" dirty="0" smtClean="0"/>
+              <a:t>The view interacts with the model to display and edit data.</a:t>
+            </a:r>
+          </a:p>
+          <a:p>
+            <a:r>
+              <a:rPr lang="en-US" dirty="0" smtClean="0"/>
+              <a:t>View</a:t>
+            </a:r>
+          </a:p>
+          <a:p>
+            <a:pPr lvl="1"/>
+            <a:r>
+              <a:rPr lang="en-US" dirty="0" smtClean="0"/>
+              <a:t>The view is constructed at the request of a presenter</a:t>
+            </a:r>
+          </a:p>
+          <a:p>
+            <a:pPr lvl="1"/>
+            <a:r>
+              <a:rPr lang="en-US" dirty="0" smtClean="0"/>
+              <a:t>The view only contains UI code, </a:t>
+            </a:r>
+          </a:p>
+          <a:p>
+            <a:pPr lvl="1"/>
+            <a:r>
+              <a:rPr lang="en-US" dirty="0" smtClean="0"/>
+              <a:t>The view generates events</a:t>
+            </a:r>
+          </a:p>
+          <a:p>
+            <a:r>
+              <a:rPr lang="en-US" dirty="0" smtClean="0"/>
+              <a:t>Presenter</a:t>
+            </a:r>
+          </a:p>
+          <a:p>
+            <a:pPr lvl="1"/>
+            <a:r>
+              <a:rPr lang="en-US" dirty="0" smtClean="0"/>
+              <a:t>The presenter constructs' the view</a:t>
+            </a:r>
+          </a:p>
+          <a:p>
+            <a:pPr lvl="1"/>
+            <a:r>
+              <a:rPr lang="en-US" dirty="0" smtClean="0"/>
+              <a:t>Listens for events</a:t>
+            </a:r>
+          </a:p>
+          <a:p>
+            <a:pPr lvl="1"/>
+            <a:r>
+              <a:rPr lang="en-US" dirty="0" smtClean="0"/>
+              <a:t>Applies business processing, calling services and rules</a:t>
+            </a:r>
+          </a:p>
+        </p:txBody>
+      </p:sp>
     </p:spTree>
   </p:cSld>
   <p:clrMapOvr>
@@ -14630,7 +15217,7 @@
           <a:p>
             <a:r>
               <a:rPr lang="en-US" dirty="0" smtClean="0"/>
-              <a:t>Model View Presenter Part Two</a:t>
+              <a:t>Read and Update</a:t>
             </a:r>
             <a:endParaRPr lang="en-US" dirty="0"/>
           </a:p>
@@ -14638,7 +15225,7 @@
       </p:sp>
       <p:sp>
         <p:nvSpPr>
-          <p:cNvPr id="5" name="Content Placeholder 4"/>
+          <p:cNvPr id="3" name="Content Placeholder 2"/>
           <p:cNvSpPr>
             <a:spLocks noGrp="1"/>
           </p:cNvSpPr>
@@ -14653,83 +15240,21 @@
           <a:p>
             <a:r>
               <a:rPr lang="en-US" dirty="0" smtClean="0"/>
-              <a:t>Model</a:t>
-            </a:r>
-          </a:p>
-          <a:p>
-            <a:pPr lvl="1"/>
-            <a:r>
-              <a:rPr lang="en-US" dirty="0" smtClean="0"/>
-              <a:t>In most cases the model is a JPAContainer or EntityItem</a:t>
-            </a:r>
-          </a:p>
-          <a:p>
-            <a:pPr lvl="1"/>
-            <a:r>
-              <a:rPr lang="en-US" dirty="0" smtClean="0"/>
-              <a:t>Typically built by the presenter and passed to the view.</a:t>
-            </a:r>
-          </a:p>
-          <a:p>
-            <a:pPr lvl="1"/>
-            <a:r>
-              <a:rPr lang="en-US" dirty="0" smtClean="0"/>
-              <a:t>The view interacts with the model to display and edit data.</a:t>
-            </a:r>
-          </a:p>
-          <a:p>
-            <a:r>
-              <a:rPr lang="en-US" dirty="0" smtClean="0"/>
-              <a:t>View</a:t>
-            </a:r>
-          </a:p>
-          <a:p>
-            <a:pPr lvl="1"/>
-            <a:r>
-              <a:rPr lang="en-US" dirty="0" smtClean="0"/>
-              <a:t>The view is constructed at the request of a presenter</a:t>
-            </a:r>
-          </a:p>
-          <a:p>
-            <a:pPr lvl="1"/>
-            <a:r>
-              <a:rPr lang="en-US" dirty="0" smtClean="0"/>
-              <a:t>The view only contains UI code, </a:t>
-            </a:r>
-          </a:p>
-          <a:p>
-            <a:pPr lvl="1"/>
-            <a:r>
-              <a:rPr lang="en-US" dirty="0" smtClean="0"/>
-              <a:t>The view generates events</a:t>
-            </a:r>
-          </a:p>
-          <a:p>
-            <a:r>
-              <a:rPr lang="en-US" dirty="0" smtClean="0"/>
-              <a:t>Presenter</a:t>
-            </a:r>
-          </a:p>
-          <a:p>
-            <a:pPr lvl="1"/>
-            <a:r>
-              <a:rPr lang="en-US" dirty="0" smtClean="0"/>
-              <a:t>The presenter constructs' the view</a:t>
-            </a:r>
-          </a:p>
-          <a:p>
-            <a:pPr lvl="1"/>
-            <a:r>
-              <a:rPr lang="en-US" dirty="0" smtClean="0"/>
-              <a:t>Listens for events</a:t>
-            </a:r>
-          </a:p>
-          <a:p>
-            <a:pPr lvl="1"/>
-            <a:r>
-              <a:rPr lang="en-US" dirty="0" smtClean="0"/>
-              <a:t>Applies business processing, calling services and rules</a:t>
-            </a:r>
+              <a:t>Design decision taken early to create a read and an update version for each area of the UI.</a:t>
+            </a:r>
+          </a:p>
+          <a:p>
+            <a:r>
+              <a:rPr lang="en-US" dirty="0" smtClean="0"/>
+              <a:t>Reduces complexity of the authorization model.</a:t>
+            </a:r>
+          </a:p>
+          <a:p>
+            <a:r>
+              <a:rPr lang="en-US" dirty="0" smtClean="0"/>
+              <a:t>Defaults to read, unless user has a specific role.</a:t>
+            </a:r>
+            <a:endParaRPr lang="en-US" dirty="0"/>
           </a:p>
         </p:txBody>
       </p:sp>
@@ -14767,7 +15292,7 @@
       </p:grpSpPr>
       <p:sp>
         <p:nvSpPr>
-          <p:cNvPr id="2" name="Title 1"/>
+          <p:cNvPr id="4" name="Title 3"/>
           <p:cNvSpPr>
             <a:spLocks noGrp="1"/>
           </p:cNvSpPr>
@@ -14780,9 +15305,12 @@
           <a:bodyPr/>
           <a:lstStyle/>
           <a:p>
-            <a:r>
-              <a:rPr lang="en-US" dirty="0" smtClean="0"/>
-              <a:t>Read and Update</a:t>
+            <a:pPr>
+              <a:buNone/>
+            </a:pPr>
+            <a:r>
+              <a:rPr lang="en-US" dirty="0" smtClean="0"/>
+              <a:t>Demo</a:t>
             </a:r>
             <a:endParaRPr lang="en-US" dirty="0"/>
           </a:p>
@@ -14790,7 +15318,7 @@
       </p:sp>
       <p:sp>
         <p:nvSpPr>
-          <p:cNvPr id="3" name="Content Placeholder 2"/>
+          <p:cNvPr id="5" name="Content Placeholder 4"/>
           <p:cNvSpPr>
             <a:spLocks noGrp="1"/>
           </p:cNvSpPr>
@@ -14805,19 +15333,13 @@
           <a:p>
             <a:r>
               <a:rPr lang="en-US" dirty="0" smtClean="0"/>
-              <a:t>Design decision taken early to create a read and an update version for each area of the UI.</a:t>
-            </a:r>
-          </a:p>
-          <a:p>
-            <a:r>
-              <a:rPr lang="en-US" dirty="0" smtClean="0"/>
-              <a:t>Reduces complexity of the authorization model.</a:t>
-            </a:r>
-          </a:p>
-          <a:p>
-            <a:r>
-              <a:rPr lang="en-US" dirty="0" smtClean="0"/>
-              <a:t>Defaults to read, unless user has a specific role.</a:t>
+              <a:t>We have a demo that contains all the technologies.</a:t>
+            </a:r>
+          </a:p>
+          <a:p>
+            <a:r>
+              <a:rPr lang="en-US" dirty="0" smtClean="0"/>
+              <a:t>But lets run through the development tools that we use.</a:t>
             </a:r>
             <a:endParaRPr lang="en-US" dirty="0"/>
           </a:p>
@@ -14986,9 +15508,33 @@
           <a:chExt cx="0" cy="0"/>
         </a:xfrm>
       </p:grpSpPr>
-      <p:sp>
-        <p:nvSpPr>
-          <p:cNvPr id="4" name="Title 3"/>
+      <p:pic>
+        <p:nvPicPr>
+          <p:cNvPr id="4" name="Picture Placeholder 3" descr="devTools.png"/>
+          <p:cNvPicPr>
+            <a:picLocks noGrp="1" noChangeAspect="1"/>
+          </p:cNvPicPr>
+          <p:nvPr>
+            <p:ph type="pic" sz="quarter" idx="10"/>
+          </p:nvPr>
+        </p:nvPicPr>
+        <p:blipFill>
+          <a:blip r:embed="rId2"/>
+          <a:srcRect t="-11811" b="-11811"/>
+          <a:stretch>
+            <a:fillRect/>
+          </a:stretch>
+        </p:blipFill>
+        <p:spPr>
+          <a:xfrm>
+            <a:off x="1295400" y="1143000"/>
+            <a:ext cx="6278880" cy="4709998"/>
+          </a:xfrm>
+        </p:spPr>
+      </p:pic>
+      <p:sp>
+        <p:nvSpPr>
+          <p:cNvPr id="3" name="Title 2"/>
           <p:cNvSpPr>
             <a:spLocks noGrp="1"/>
           </p:cNvSpPr>
@@ -15005,39 +15551,10 @@
               <a:buNone/>
             </a:pPr>
             <a:r>
-              <a:rPr lang="en-US" dirty="0" smtClean="0"/>
-              <a:t>Demo</a:t>
-            </a:r>
-            <a:endParaRPr lang="en-US" dirty="0"/>
-          </a:p>
-        </p:txBody>
-      </p:sp>
-      <p:sp>
-        <p:nvSpPr>
-          <p:cNvPr id="5" name="Content Placeholder 4"/>
-          <p:cNvSpPr>
-            <a:spLocks noGrp="1"/>
-          </p:cNvSpPr>
-          <p:nvPr>
-            <p:ph idx="1"/>
-          </p:nvPr>
-        </p:nvSpPr>
-        <p:spPr/>
-        <p:txBody>
-          <a:bodyPr/>
-          <a:lstStyle/>
-          <a:p>
-            <a:r>
-              <a:rPr lang="en-US" dirty="0" smtClean="0"/>
-              <a:t>We have a demo that contains all the technologies.</a:t>
-            </a:r>
-          </a:p>
-          <a:p>
-            <a:r>
-              <a:rPr lang="en-US" dirty="0" smtClean="0"/>
-              <a:t>But lets run through the development tools that we use.</a:t>
-            </a:r>
-            <a:endParaRPr lang="en-US" dirty="0"/>
+              <a:rPr lang="en-GB" dirty="0" smtClean="0"/>
+              <a:t>Development Environment</a:t>
+            </a:r>
+            <a:endParaRPr lang="en-GB" dirty="0"/>
           </a:p>
         </p:txBody>
       </p:sp>
@@ -15073,33 +15590,9 @@
           <a:chExt cx="0" cy="0"/>
         </a:xfrm>
       </p:grpSpPr>
-      <p:pic>
-        <p:nvPicPr>
-          <p:cNvPr id="4" name="Picture Placeholder 3" descr="devTools.png"/>
-          <p:cNvPicPr>
-            <a:picLocks noGrp="1" noChangeAspect="1"/>
-          </p:cNvPicPr>
-          <p:nvPr>
-            <p:ph type="pic" sz="quarter" idx="10"/>
-          </p:nvPr>
-        </p:nvPicPr>
-        <p:blipFill>
-          <a:blip r:embed="rId2"/>
-          <a:srcRect t="-11811" b="-11811"/>
-          <a:stretch>
-            <a:fillRect/>
-          </a:stretch>
-        </p:blipFill>
-        <p:spPr>
-          <a:xfrm>
-            <a:off x="1295400" y="1143000"/>
-            <a:ext cx="6278880" cy="4709998"/>
-          </a:xfrm>
-        </p:spPr>
-      </p:pic>
-      <p:sp>
-        <p:nvSpPr>
-          <p:cNvPr id="3" name="Title 2"/>
+      <p:sp>
+        <p:nvSpPr>
+          <p:cNvPr id="5" name="Title 4"/>
           <p:cNvSpPr>
             <a:spLocks noGrp="1"/>
           </p:cNvSpPr>
@@ -15112,14 +15605,108 @@
           <a:bodyPr/>
           <a:lstStyle/>
           <a:p>
-            <a:pPr>
-              <a:buNone/>
-            </a:pPr>
-            <a:r>
-              <a:rPr lang="en-GB" dirty="0" smtClean="0"/>
-              <a:t>Development Environment</a:t>
-            </a:r>
-            <a:endParaRPr lang="en-GB" dirty="0"/>
+            <a:r>
+              <a:rPr lang="en-US" dirty="0" smtClean="0"/>
+              <a:t>Maven</a:t>
+            </a:r>
+            <a:endParaRPr lang="en-US" dirty="0"/>
+          </a:p>
+        </p:txBody>
+      </p:sp>
+      <p:sp>
+        <p:nvSpPr>
+          <p:cNvPr id="6" name="Content Placeholder 5"/>
+          <p:cNvSpPr>
+            <a:spLocks noGrp="1"/>
+          </p:cNvSpPr>
+          <p:nvPr>
+            <p:ph idx="1"/>
+          </p:nvPr>
+        </p:nvSpPr>
+        <p:spPr/>
+        <p:txBody>
+          <a:bodyPr/>
+          <a:lstStyle/>
+          <a:p>
+            <a:r>
+              <a:rPr lang="en-US" dirty="0" smtClean="0"/>
+              <a:t>Tool to manage and build java based projects</a:t>
+            </a:r>
+          </a:p>
+          <a:p>
+            <a:r>
+              <a:rPr lang="en-US" dirty="0" smtClean="0"/>
+              <a:t>Provides a uniform build process</a:t>
+            </a:r>
+          </a:p>
+          <a:p>
+            <a:r>
+              <a:rPr lang="en-US" dirty="0" smtClean="0"/>
+              <a:t>Configured by pom.xml files (project object model)</a:t>
+            </a:r>
+          </a:p>
+          <a:p>
+            <a:r>
+              <a:rPr lang="en-US" dirty="0" smtClean="0"/>
+              <a:t>Extended using plugins (e.g. test coverage report tool)</a:t>
+            </a:r>
+          </a:p>
+          <a:p>
+            <a:r>
+              <a:rPr lang="en-US" dirty="0" smtClean="0"/>
+              <a:t>Manages dependencies</a:t>
+            </a:r>
+          </a:p>
+          <a:p>
+            <a:pPr lvl="1"/>
+            <a:r>
+              <a:rPr lang="en-US" dirty="0" smtClean="0"/>
+              <a:t>e.g. versions of supporting libraries </a:t>
+            </a:r>
+          </a:p>
+          <a:p>
+            <a:pPr lvl="1"/>
+            <a:r>
+              <a:rPr lang="en-US" dirty="0" smtClean="0"/>
+              <a:t>	Vaadin</a:t>
+            </a:r>
+          </a:p>
+          <a:p>
+            <a:pPr lvl="1"/>
+            <a:r>
+              <a:rPr lang="en-US" dirty="0" smtClean="0"/>
+              <a:t>	Seam etc</a:t>
+            </a:r>
+          </a:p>
+          <a:p>
+            <a:r>
+              <a:rPr lang="en-US" dirty="0" smtClean="0"/>
+              <a:t>Typical use</a:t>
+            </a:r>
+          </a:p>
+          <a:p>
+            <a:pPr lvl="1"/>
+            <a:r>
+              <a:rPr lang="en-US" dirty="0" smtClean="0"/>
+              <a:t>clean</a:t>
+            </a:r>
+          </a:p>
+          <a:p>
+            <a:pPr lvl="1"/>
+            <a:r>
+              <a:rPr lang="en-US" dirty="0" smtClean="0"/>
+              <a:t>install</a:t>
+            </a:r>
+          </a:p>
+          <a:p>
+            <a:r>
+              <a:rPr lang="en-US" dirty="0" smtClean="0"/>
+              <a:t>Runs test suite </a:t>
+            </a:r>
+          </a:p>
+          <a:p>
+            <a:pPr lvl="1"/>
+            <a:endParaRPr lang="en-US" dirty="0"/>
           </a:p>
         </p:txBody>
       </p:sp>
@@ -15128,6 +15715,13 @@
   <p:clrMapOvr>
     <a:masterClrMapping/>
   </p:clrMapOvr>
+  <p:timing>
+    <p:tnLst>
+      <p:par>
+        <p:cTn id="1" dur="indefinite" restart="never" nodeType="tmRoot"/>
+      </p:par>
+    </p:tnLst>
+  </p:timing>
 </p:sld>
 </file>
 
@@ -15150,7 +15744,7 @@
       </p:grpSpPr>
       <p:sp>
         <p:nvSpPr>
-          <p:cNvPr id="5" name="Title 4"/>
+          <p:cNvPr id="2" name="Title 1"/>
           <p:cNvSpPr>
             <a:spLocks noGrp="1"/>
           </p:cNvSpPr>
@@ -15165,7 +15759,7 @@
           <a:p>
             <a:r>
               <a:rPr lang="en-US" dirty="0" smtClean="0"/>
-              <a:t>Maven</a:t>
+              <a:t>Intellij</a:t>
             </a:r>
             <a:endParaRPr lang="en-US" dirty="0"/>
           </a:p>
@@ -15173,7 +15767,7 @@
       </p:sp>
       <p:sp>
         <p:nvSpPr>
-          <p:cNvPr id="6" name="Content Placeholder 5"/>
+          <p:cNvPr id="3" name="Content Placeholder 2"/>
           <p:cNvSpPr>
             <a:spLocks noGrp="1"/>
           </p:cNvSpPr>
@@ -15188,82 +15782,57 @@
           <a:p>
             <a:r>
               <a:rPr lang="en-US" dirty="0" smtClean="0"/>
-              <a:t>Tool to manage and build java based projects</a:t>
-            </a:r>
-          </a:p>
-          <a:p>
-            <a:r>
-              <a:rPr lang="en-US" dirty="0" smtClean="0"/>
-              <a:t>Provides a uniform build process</a:t>
-            </a:r>
-          </a:p>
-          <a:p>
-            <a:r>
-              <a:rPr lang="en-US" dirty="0" smtClean="0"/>
-              <a:t>Configured by pom.xml files (project object model)</a:t>
-            </a:r>
-          </a:p>
-          <a:p>
-            <a:r>
-              <a:rPr lang="en-US" dirty="0" smtClean="0"/>
-              <a:t>Extended using plugins (e.g. test coverage report tool)</a:t>
-            </a:r>
-          </a:p>
-          <a:p>
-            <a:r>
-              <a:rPr lang="en-US" dirty="0" smtClean="0"/>
-              <a:t>Manages dependencies</a:t>
-            </a:r>
-          </a:p>
-          <a:p>
-            <a:pPr lvl="1"/>
-            <a:r>
-              <a:rPr lang="en-US" dirty="0" smtClean="0"/>
-              <a:t>e.g. versions of supporting libraries </a:t>
-            </a:r>
-          </a:p>
-          <a:p>
-            <a:pPr lvl="1"/>
-            <a:r>
-              <a:rPr lang="en-US" dirty="0" smtClean="0"/>
-              <a:t>	Vaadin</a:t>
-            </a:r>
-          </a:p>
-          <a:p>
-            <a:pPr lvl="1"/>
-            <a:r>
-              <a:rPr lang="en-US" dirty="0" smtClean="0"/>
-              <a:t>	Seam etc</a:t>
-            </a:r>
-          </a:p>
-          <a:p>
-            <a:r>
-              <a:rPr lang="en-US" dirty="0" smtClean="0"/>
-              <a:t>Typical use</a:t>
-            </a:r>
-          </a:p>
-          <a:p>
-            <a:pPr lvl="1"/>
-            <a:r>
-              <a:rPr lang="en-US" dirty="0" smtClean="0"/>
-              <a:t>clean</a:t>
-            </a:r>
-          </a:p>
-          <a:p>
-            <a:pPr lvl="1"/>
-            <a:r>
-              <a:rPr lang="en-US" dirty="0" smtClean="0"/>
-              <a:t>install</a:t>
-            </a:r>
-          </a:p>
-          <a:p>
-            <a:r>
-              <a:rPr lang="en-US" dirty="0" smtClean="0"/>
-              <a:t>Runs test suite </a:t>
-            </a:r>
-          </a:p>
-          <a:p>
-            <a:pPr lvl="1"/>
+              <a:t>Integrated Development Environment</a:t>
+            </a:r>
+          </a:p>
+          <a:p>
+            <a:r>
+              <a:rPr lang="en-US" dirty="0" smtClean="0"/>
+              <a:t>Project created by importing maven build files.</a:t>
+            </a:r>
+          </a:p>
+          <a:p>
+            <a:r>
+              <a:rPr lang="en-US" dirty="0" smtClean="0"/>
+              <a:t>Edit, compile and run code from with IDE.</a:t>
+            </a:r>
+          </a:p>
+          <a:p>
+            <a:r>
+              <a:rPr lang="en-US" dirty="0" smtClean="0"/>
+              <a:t>Runs a full copy of </a:t>
+            </a:r>
+            <a:r>
+              <a:rPr lang="en-US" dirty="0" err="1" smtClean="0"/>
+              <a:t>JBoss</a:t>
+            </a:r>
+            <a:r>
+              <a:rPr lang="en-US" dirty="0" smtClean="0"/>
+              <a:t> </a:t>
+            </a:r>
+          </a:p>
+          <a:p>
+            <a:r>
+              <a:rPr lang="en-US" dirty="0" smtClean="0"/>
+              <a:t>Runs selected tests from the test suite</a:t>
+            </a:r>
+          </a:p>
+          <a:p>
+            <a:r>
+              <a:rPr lang="en-US" dirty="0" smtClean="0"/>
+              <a:t>Full debugger support.</a:t>
+            </a:r>
+          </a:p>
+          <a:p>
+            <a:r>
+              <a:rPr lang="en-US" dirty="0" smtClean="0"/>
+              <a:t>Inline warnings help to improve code quality</a:t>
+            </a:r>
+          </a:p>
+          <a:p>
+            <a:pPr>
+              <a:buNone/>
+            </a:pPr>
             <a:endParaRPr lang="en-US" dirty="0"/>
           </a:p>
         </p:txBody>
@@ -15273,6 +15842,13 @@
   <p:clrMapOvr>
     <a:masterClrMapping/>
   </p:clrMapOvr>
+  <p:timing>
+    <p:tnLst>
+      <p:par>
+        <p:cTn id="1" dur="indefinite" restart="never" nodeType="tmRoot"/>
+      </p:par>
+    </p:tnLst>
+  </p:timing>
 </p:sld>
 </file>
 
@@ -15310,7 +15886,7 @@
           <a:p>
             <a:r>
               <a:rPr lang="en-US" dirty="0" smtClean="0"/>
-              <a:t>Intellij</a:t>
+              <a:t>JRebel</a:t>
             </a:r>
             <a:endParaRPr lang="en-US" dirty="0"/>
           </a:p>
@@ -15333,57 +15909,61 @@
           <a:p>
             <a:r>
               <a:rPr lang="en-US" dirty="0" smtClean="0"/>
-              <a:t>Integrated Development Environment</a:t>
-            </a:r>
-          </a:p>
-          <a:p>
-            <a:r>
-              <a:rPr lang="en-US" dirty="0" smtClean="0"/>
-              <a:t>Project created by importing maven build files.</a:t>
-            </a:r>
-          </a:p>
-          <a:p>
-            <a:r>
-              <a:rPr lang="en-US" dirty="0" smtClean="0"/>
-              <a:t>Edit, compile and run code from with IDE.</a:t>
-            </a:r>
-          </a:p>
-          <a:p>
-            <a:r>
-              <a:rPr lang="en-US" dirty="0" smtClean="0"/>
-              <a:t>Runs a full copy of </a:t>
-            </a:r>
-            <a:r>
-              <a:rPr lang="en-US" dirty="0" err="1" smtClean="0"/>
-              <a:t>JBoss</a:t>
-            </a:r>
-            <a:r>
-              <a:rPr lang="en-US" dirty="0" smtClean="0"/>
-              <a:t> </a:t>
-            </a:r>
-          </a:p>
-          <a:p>
-            <a:r>
-              <a:rPr lang="en-US" dirty="0" smtClean="0"/>
-              <a:t>Runs selected tests from the test suite</a:t>
-            </a:r>
-          </a:p>
-          <a:p>
-            <a:r>
-              <a:rPr lang="en-US" dirty="0" smtClean="0"/>
-              <a:t>Full debugger support.</a:t>
-            </a:r>
-          </a:p>
-          <a:p>
-            <a:r>
-              <a:rPr lang="en-US" dirty="0" smtClean="0"/>
-              <a:t>Inline warnings help to improve code quality</a:t>
-            </a:r>
-          </a:p>
-          <a:p>
-            <a:pPr>
-              <a:buNone/>
-            </a:pPr>
+              <a:t>The DPS2 project build can take sometime.</a:t>
+            </a:r>
+          </a:p>
+          <a:p>
+            <a:r>
+              <a:rPr lang="en-US" dirty="0" smtClean="0"/>
+              <a:t>A clean deploy and server restart can take 15mins or more.</a:t>
+            </a:r>
+          </a:p>
+          <a:p>
+            <a:r>
+              <a:rPr lang="en-US" dirty="0" smtClean="0"/>
+              <a:t>Prior to using JRebel changes had to made in batches and some hacks were used to deploy xhtml.</a:t>
+            </a:r>
+          </a:p>
+          <a:p>
+            <a:r>
+              <a:rPr lang="en-US" dirty="0" smtClean="0"/>
+              <a:t>Now, JRebel hot deploys code.</a:t>
+            </a:r>
+          </a:p>
+          <a:p>
+            <a:r>
+              <a:rPr lang="en-US" dirty="0" smtClean="0"/>
+              <a:t>This means we can make a change, hit the make button in the IDE, and the change is deployed immediately so we can test straight away.</a:t>
+            </a:r>
+          </a:p>
+          <a:p>
+            <a:r>
+              <a:rPr lang="en-US" dirty="0" smtClean="0"/>
+              <a:t>Doesn’t work for everything.</a:t>
+            </a:r>
+          </a:p>
+          <a:p>
+            <a:pPr lvl="1"/>
+            <a:r>
+              <a:rPr lang="en-US" dirty="0" smtClean="0"/>
+              <a:t>New hibernate entities don’t work</a:t>
+            </a:r>
+          </a:p>
+          <a:p>
+            <a:pPr lvl="1"/>
+            <a:r>
+              <a:rPr lang="en-US" dirty="0" smtClean="0"/>
+              <a:t>New events don’t work</a:t>
+            </a:r>
+          </a:p>
+          <a:p>
+            <a:pPr lvl="1"/>
+            <a:r>
+              <a:rPr lang="en-US" dirty="0" smtClean="0"/>
+              <a:t>Changing a class hierarchy is hit and miss.</a:t>
+            </a:r>
+          </a:p>
+          <a:p>
             <a:endParaRPr lang="en-US" dirty="0"/>
           </a:p>
         </p:txBody>
@@ -15430,7 +16010,7 @@
           <a:p>
             <a:r>
               <a:rPr lang="en-US" dirty="0" smtClean="0"/>
-              <a:t>JRebel</a:t>
+              <a:t>Testing</a:t>
             </a:r>
             <a:endParaRPr lang="en-US" dirty="0"/>
           </a:p>
@@ -15453,61 +16033,46 @@
           <a:p>
             <a:r>
               <a:rPr lang="en-US" dirty="0" smtClean="0"/>
-              <a:t>The DPS2 project build can take sometime.</a:t>
-            </a:r>
-          </a:p>
-          <a:p>
-            <a:r>
-              <a:rPr lang="en-US" dirty="0" smtClean="0"/>
-              <a:t>A clean deploy and server restart can take 15mins or more.</a:t>
-            </a:r>
-          </a:p>
-          <a:p>
-            <a:r>
-              <a:rPr lang="en-US" dirty="0" smtClean="0"/>
-              <a:t>Prior to using JRebel changes had to made in batches and some hacks were used to deploy xhtml.</a:t>
-            </a:r>
-          </a:p>
-          <a:p>
-            <a:r>
-              <a:rPr lang="en-US" dirty="0" smtClean="0"/>
-              <a:t>Now, JRebel hot deploys code.</a:t>
-            </a:r>
-          </a:p>
-          <a:p>
-            <a:r>
-              <a:rPr lang="en-US" dirty="0" smtClean="0"/>
-              <a:t>This means we can make a change, hit the make button in the IDE, and the change is deployed immediately so we can test straight away.</a:t>
-            </a:r>
-          </a:p>
-          <a:p>
-            <a:r>
-              <a:rPr lang="en-US" dirty="0" smtClean="0"/>
-              <a:t>Doesn’t work for everything.</a:t>
+              <a:t>Junit is used to run tests</a:t>
+            </a:r>
+          </a:p>
+          <a:p>
+            <a:r>
+              <a:rPr lang="en-US" dirty="0" smtClean="0"/>
+              <a:t>When run within Intellij shows test coverage.</a:t>
+            </a:r>
+          </a:p>
+          <a:p>
+            <a:r>
+              <a:rPr lang="en-US" dirty="0" smtClean="0"/>
+              <a:t>Use mock objects to assist testing</a:t>
             </a:r>
           </a:p>
           <a:p>
             <a:pPr lvl="1"/>
             <a:r>
               <a:rPr lang="en-US" dirty="0" smtClean="0"/>
-              <a:t>New hibernate entities don’t work</a:t>
+              <a:t>Allows us to program the behavior of objects, so that our code under test can be exercised.</a:t>
             </a:r>
           </a:p>
           <a:p>
             <a:pPr lvl="1"/>
             <a:r>
               <a:rPr lang="en-US" dirty="0" smtClean="0"/>
-              <a:t>New events don’t work</a:t>
-            </a:r>
-          </a:p>
-          <a:p>
-            <a:pPr lvl="1"/>
-            <a:r>
-              <a:rPr lang="en-US" dirty="0" smtClean="0"/>
-              <a:t>Changing a class hierarchy is hit and miss.</a:t>
-            </a:r>
-          </a:p>
-          <a:p>
+              <a:t>e.g. Mock out a DAO, so that service can be exercised.</a:t>
+            </a:r>
+          </a:p>
+          <a:p>
+            <a:r>
+              <a:rPr lang="en-US" dirty="0" smtClean="0"/>
+              <a:t>Mock object framework we use is Mockitio</a:t>
+            </a:r>
+          </a:p>
+          <a:p>
+            <a:r>
+              <a:rPr lang="en-US" dirty="0" smtClean="0"/>
+              <a:t>Used in conjunction with Guice, allows us to use Test Modules to inject mocked objects as dependencies.</a:t>
+            </a:r>
             <a:endParaRPr lang="en-US" dirty="0"/>
           </a:p>
         </p:txBody>
@@ -15554,7 +16119,7 @@
           <a:p>
             <a:r>
               <a:rPr lang="en-US" dirty="0" smtClean="0"/>
-              <a:t>Testing</a:t>
+              <a:t>Logging</a:t>
             </a:r>
             <a:endParaRPr lang="en-US" dirty="0"/>
           </a:p>
@@ -15577,47 +16142,64 @@
           <a:p>
             <a:r>
               <a:rPr lang="en-US" dirty="0" smtClean="0"/>
-              <a:t>Junit is used to run tests</a:t>
-            </a:r>
-          </a:p>
-          <a:p>
-            <a:r>
-              <a:rPr lang="en-US" dirty="0" smtClean="0"/>
-              <a:t>When run within Intellij shows test coverage.</a:t>
-            </a:r>
-          </a:p>
-          <a:p>
-            <a:r>
-              <a:rPr lang="en-US" dirty="0" smtClean="0"/>
-              <a:t>Use mock objects to assist testing</a:t>
+              <a:t>We use log4j</a:t>
+            </a:r>
+          </a:p>
+          <a:p>
+            <a:r>
+              <a:rPr lang="en-US" dirty="0" smtClean="0"/>
+              <a:t>Very simple to use</a:t>
+            </a:r>
+          </a:p>
+          <a:p>
+            <a:r>
+              <a:rPr lang="en-US" dirty="0" smtClean="0"/>
+              <a:t>Makes debugging easier</a:t>
+            </a:r>
+          </a:p>
+          <a:p>
+            <a:r>
+              <a:rPr lang="en-US" dirty="0" smtClean="0"/>
+              <a:t>With hibernate settings, the SQL generated is logged</a:t>
+            </a:r>
+          </a:p>
+          <a:p>
+            <a:r>
+              <a:rPr lang="en-US" dirty="0" smtClean="0"/>
+              <a:t>Log files stored in </a:t>
+            </a:r>
+            <a:r>
+              <a:rPr lang="en-US" dirty="0" err="1" smtClean="0"/>
+              <a:t>JBoss</a:t>
+            </a:r>
+            <a:r>
+              <a:rPr lang="en-US" dirty="0" smtClean="0"/>
+              <a:t> directory structure</a:t>
             </a:r>
           </a:p>
           <a:p>
             <a:pPr lvl="1"/>
             <a:r>
               <a:rPr lang="en-US" dirty="0" smtClean="0"/>
-              <a:t>Allows us to program the behavior of objects, so that our code under test can be exercised.</a:t>
+              <a:t>&lt;jbosshome&gt;\jboss-as\server\production\log</a:t>
+            </a:r>
+          </a:p>
+          <a:p>
+            <a:r>
+              <a:rPr lang="en-US" dirty="0" smtClean="0"/>
+              <a:t>Logging levels controlled by config file :</a:t>
             </a:r>
           </a:p>
           <a:p>
             <a:pPr lvl="1"/>
             <a:r>
               <a:rPr lang="en-US" dirty="0" smtClean="0"/>
-              <a:t>e.g. Mock out a DAO, so that service can be exercised.</a:t>
-            </a:r>
-          </a:p>
-          <a:p>
-            <a:r>
-              <a:rPr lang="en-US" dirty="0" smtClean="0"/>
-              <a:t>Mock object framework we use is Mockitio</a:t>
-            </a:r>
-          </a:p>
-          <a:p>
-            <a:r>
-              <a:rPr lang="en-US" dirty="0" smtClean="0"/>
-              <a:t>Used in conjunction with Guice, allows us to use Test Modules to inject mocked objects as dependencies.</a:t>
-            </a:r>
-            <a:endParaRPr lang="en-US" dirty="0"/>
+              <a:t>&lt;jbosshome&gt;\jboss-as\server\production\conf\jboss-log4j.xml</a:t>
+            </a:r>
+          </a:p>
+          <a:p>
+            <a:pPr lvl="1"/>
+            <a:endParaRPr lang="en-US" dirty="0" smtClean="0"/>
           </a:p>
         </p:txBody>
       </p:sp>
@@ -15663,7 +16245,7 @@
           <a:p>
             <a:r>
               <a:rPr lang="en-US" dirty="0" smtClean="0"/>
-              <a:t>Logging</a:t>
+              <a:t>QA Policies	</a:t>
             </a:r>
             <a:endParaRPr lang="en-US" dirty="0"/>
           </a:p>
@@ -15686,64 +16268,55 @@
           <a:p>
             <a:r>
               <a:rPr lang="en-US" dirty="0" smtClean="0"/>
-              <a:t>We use log4j</a:t>
-            </a:r>
-          </a:p>
-          <a:p>
-            <a:r>
-              <a:rPr lang="en-US" dirty="0" smtClean="0"/>
-              <a:t>Very simple to use</a:t>
-            </a:r>
-          </a:p>
-          <a:p>
-            <a:r>
-              <a:rPr lang="en-US" dirty="0" smtClean="0"/>
-              <a:t>Makes debugging easier</a:t>
-            </a:r>
-          </a:p>
-          <a:p>
-            <a:r>
-              <a:rPr lang="en-US" dirty="0" smtClean="0"/>
-              <a:t>With hibernate settings, the SQL generated is logged</a:t>
-            </a:r>
-          </a:p>
-          <a:p>
-            <a:r>
-              <a:rPr lang="en-US" dirty="0" smtClean="0"/>
-              <a:t>Log files stored in </a:t>
-            </a:r>
-            <a:r>
-              <a:rPr lang="en-US" dirty="0" err="1" smtClean="0"/>
-              <a:t>JBoss</a:t>
-            </a:r>
-            <a:r>
-              <a:rPr lang="en-US" dirty="0" smtClean="0"/>
-              <a:t> directory structure</a:t>
+              <a:t>We do informal code reviews ad hoc.</a:t>
+            </a:r>
+          </a:p>
+          <a:p>
+            <a:r>
+              <a:rPr lang="en-US" dirty="0" smtClean="0"/>
+              <a:t>Things we try to watch out for.</a:t>
             </a:r>
           </a:p>
           <a:p>
             <a:pPr lvl="1"/>
             <a:r>
               <a:rPr lang="en-US" dirty="0" smtClean="0"/>
-              <a:t>&lt;jbosshome&gt;\jboss-as\server\production\log</a:t>
-            </a:r>
-          </a:p>
-          <a:p>
-            <a:r>
-              <a:rPr lang="en-US" dirty="0" smtClean="0"/>
-              <a:t>Logging levels controlled by config file :</a:t>
+              <a:t>No warnings in code</a:t>
             </a:r>
           </a:p>
           <a:p>
             <a:pPr lvl="1"/>
             <a:r>
               <a:rPr lang="en-US" dirty="0" smtClean="0"/>
-              <a:t>&lt;jbosshome&gt;\jboss-as\server\production\conf\jboss-log4j.xml</a:t>
+              <a:t>	(If can’t be avoided then use suppression annotations) Demo</a:t>
             </a:r>
           </a:p>
           <a:p>
             <a:pPr lvl="1"/>
-            <a:endParaRPr lang="en-US" dirty="0" smtClean="0"/>
+            <a:r>
+              <a:rPr lang="en-US" dirty="0" smtClean="0"/>
+              <a:t>No commented out code</a:t>
+            </a:r>
+          </a:p>
+          <a:p>
+            <a:pPr lvl="1"/>
+            <a:r>
+              <a:rPr lang="en-US" dirty="0" smtClean="0"/>
+              <a:t>No To-Do’s</a:t>
+            </a:r>
+          </a:p>
+          <a:p>
+            <a:r>
+              <a:rPr lang="en-US" dirty="0" smtClean="0"/>
+              <a:t>Keep the code DRY (Don’t repeat yourself)</a:t>
+            </a:r>
+          </a:p>
+          <a:p>
+            <a:pPr lvl="1"/>
+            <a:r>
+              <a:rPr lang="en-US" dirty="0" smtClean="0"/>
+              <a:t>Try to remove/reduce duplication, but don’t make it too complex. </a:t>
+            </a:r>
           </a:p>
         </p:txBody>
       </p:sp>
@@ -15789,7 +16362,7 @@
           <a:p>
             <a:r>
               <a:rPr lang="en-US" dirty="0" smtClean="0"/>
-              <a:t>QA Policies	</a:t>
+              <a:t>Continuous Integration (CI)</a:t>
             </a:r>
             <a:endParaRPr lang="en-US" dirty="0"/>
           </a:p>
@@ -15812,54 +16385,57 @@
           <a:p>
             <a:r>
               <a:rPr lang="en-US" dirty="0" smtClean="0"/>
-              <a:t>We do informal code reviews ad hoc.</a:t>
-            </a:r>
-          </a:p>
-          <a:p>
-            <a:r>
-              <a:rPr lang="en-US" dirty="0" smtClean="0"/>
-              <a:t>Things we try to watch out for.</a:t>
+              <a:t>CI is a mechanism whereby, when code changes in subversion. The code is checked out, complied and tested.</a:t>
+            </a:r>
+          </a:p>
+          <a:p>
+            <a:r>
+              <a:rPr lang="en-US" dirty="0" smtClean="0"/>
+              <a:t>This means we have a very quick feedback cycle.</a:t>
+            </a:r>
+          </a:p>
+          <a:p>
+            <a:r>
+              <a:rPr lang="en-US" dirty="0" smtClean="0"/>
+              <a:t>If anyone breaks tests we know about it.</a:t>
+            </a:r>
+          </a:p>
+          <a:p>
+            <a:r>
+              <a:rPr lang="en-US" dirty="0" smtClean="0"/>
+              <a:t>We run unit and integration tests.</a:t>
             </a:r>
           </a:p>
           <a:p>
             <a:pPr lvl="1"/>
             <a:r>
               <a:rPr lang="en-US" dirty="0" smtClean="0"/>
-              <a:t>No warnings in code</a:t>
+              <a:t>Unit very quick, with mocking</a:t>
             </a:r>
           </a:p>
           <a:p>
             <a:pPr lvl="1"/>
             <a:r>
               <a:rPr lang="en-US" dirty="0" smtClean="0"/>
-              <a:t>	(If can’t be avoided then use suppression annotations) Demo</a:t>
-            </a:r>
-          </a:p>
-          <a:p>
-            <a:pPr lvl="1"/>
-            <a:r>
-              <a:rPr lang="en-US" dirty="0" smtClean="0"/>
-              <a:t>No commented out code</a:t>
-            </a:r>
-          </a:p>
-          <a:p>
-            <a:pPr lvl="1"/>
-            <a:r>
-              <a:rPr lang="en-US" dirty="0" smtClean="0"/>
-              <a:t>No To-Do’s</a:t>
-            </a:r>
-          </a:p>
-          <a:p>
-            <a:r>
-              <a:rPr lang="en-US" dirty="0" smtClean="0"/>
-              <a:t>Keep the code DRY (Don’t repeat yourself)</a:t>
-            </a:r>
-          </a:p>
-          <a:p>
-            <a:pPr lvl="1"/>
-            <a:r>
-              <a:rPr lang="en-US" dirty="0" smtClean="0"/>
-              <a:t>Try to remove/reduce duplication, but don’t make it too complex. </a:t>
+              <a:t>Integration access's the database</a:t>
+            </a:r>
+          </a:p>
+          <a:p>
+            <a:r>
+              <a:rPr lang="en-US" dirty="0" smtClean="0"/>
+              <a:t>Encouraged to check in often.</a:t>
+            </a:r>
+          </a:p>
+          <a:p>
+            <a:r>
+              <a:rPr lang="en-US" dirty="0" smtClean="0"/>
+              <a:t>We use a tool called Jenkins.</a:t>
+            </a:r>
+          </a:p>
+          <a:p>
+            <a:r>
+              <a:rPr lang="en-US" dirty="0" smtClean="0"/>
+              <a:t>Web based</a:t>
             </a:r>
           </a:p>
         </p:txBody>
@@ -15891,7 +16467,7 @@
       </p:grpSpPr>
       <p:sp>
         <p:nvSpPr>
-          <p:cNvPr id="2" name="Title 1"/>
+          <p:cNvPr id="4" name="Title 3"/>
           <p:cNvSpPr>
             <a:spLocks noGrp="1"/>
           </p:cNvSpPr>
@@ -15904,9 +16480,12 @@
           <a:bodyPr/>
           <a:lstStyle/>
           <a:p>
-            <a:r>
-              <a:rPr lang="en-US" dirty="0" smtClean="0"/>
-              <a:t>Continuous Integration (CI)</a:t>
+            <a:pPr>
+              <a:buNone/>
+            </a:pPr>
+            <a:r>
+              <a:rPr lang="en-US" dirty="0" smtClean="0"/>
+              <a:t>Demo</a:t>
             </a:r>
             <a:endParaRPr lang="en-US" dirty="0"/>
           </a:p>
@@ -15914,7 +16493,7 @@
       </p:sp>
       <p:sp>
         <p:nvSpPr>
-          <p:cNvPr id="3" name="Content Placeholder 2"/>
+          <p:cNvPr id="7" name="Content Placeholder 6"/>
           <p:cNvSpPr>
             <a:spLocks noGrp="1"/>
           </p:cNvSpPr>
@@ -15929,67 +16508,82 @@
           <a:p>
             <a:r>
               <a:rPr lang="en-US" dirty="0" smtClean="0"/>
-              <a:t>CI is a mechanism whereby, when code changes in subversion. The code is checked out, complied and tested.</a:t>
-            </a:r>
-          </a:p>
-          <a:p>
-            <a:r>
-              <a:rPr lang="en-US" dirty="0" smtClean="0"/>
-              <a:t>This means we have a very quick feedback cycle.</a:t>
-            </a:r>
-          </a:p>
-          <a:p>
-            <a:r>
-              <a:rPr lang="en-US" dirty="0" smtClean="0"/>
-              <a:t>If anyone breaks tests we know about it.</a:t>
-            </a:r>
-          </a:p>
-          <a:p>
-            <a:r>
-              <a:rPr lang="en-US" dirty="0" smtClean="0"/>
-              <a:t>We run unit and integration tests.</a:t>
+              <a:t>Covers</a:t>
             </a:r>
           </a:p>
           <a:p>
             <a:pPr lvl="1"/>
             <a:r>
               <a:rPr lang="en-US" dirty="0" smtClean="0"/>
-              <a:t>Unit very quick, with mocking</a:t>
+              <a:t>Vaadin</a:t>
             </a:r>
           </a:p>
           <a:p>
             <a:pPr lvl="1"/>
             <a:r>
               <a:rPr lang="en-US" dirty="0" smtClean="0"/>
-              <a:t>Integration access's the database</a:t>
-            </a:r>
-          </a:p>
-          <a:p>
-            <a:r>
-              <a:rPr lang="en-US" dirty="0" smtClean="0"/>
-              <a:t>Encouraged to check in often.</a:t>
-            </a:r>
-          </a:p>
-          <a:p>
-            <a:r>
-              <a:rPr lang="en-US" dirty="0" smtClean="0"/>
-              <a:t>We use a tool called Jenkins.</a:t>
-            </a:r>
-          </a:p>
-          <a:p>
-            <a:r>
-              <a:rPr lang="en-US" dirty="0" smtClean="0"/>
-              <a:t>Web based</a:t>
+              <a:t>Guice</a:t>
             </a:r>
           </a:p>
           <a:p>
             <a:pPr lvl="1"/>
             <a:r>
               <a:rPr lang="en-US" dirty="0" smtClean="0"/>
-              <a:t>Demo</a:t>
-            </a:r>
-          </a:p>
-          <a:p>
+              <a:t>Event Bus</a:t>
+            </a:r>
+          </a:p>
+          <a:p>
+            <a:pPr lvl="1"/>
+            <a:r>
+              <a:rPr lang="en-US" dirty="0" smtClean="0"/>
+              <a:t>MVP</a:t>
+            </a:r>
+          </a:p>
+          <a:p>
+            <a:pPr lvl="1"/>
+            <a:endParaRPr lang="en-US" dirty="0" smtClean="0"/>
+          </a:p>
+          <a:p>
+            <a:pPr lvl="1"/>
+            <a:r>
+              <a:rPr lang="en-US" dirty="0" smtClean="0">
+                <a:hlinkClick r:id="rId2"/>
+              </a:rPr>
+              <a:t>https://github.com/philbarton/vaadinMVPGuiceJumpStart.git</a:t>
+            </a:r>
+            <a:endParaRPr lang="en-US" dirty="0" smtClean="0"/>
+          </a:p>
+          <a:p>
+            <a:pPr lvl="1"/>
+            <a:endParaRPr lang="en-US" dirty="0" smtClean="0"/>
+          </a:p>
+          <a:p>
+            <a:pPr lvl="1"/>
+            <a:r>
+              <a:rPr lang="en-US" dirty="0" smtClean="0"/>
+              <a:t>We’ll get it up and running now.</a:t>
+            </a:r>
+          </a:p>
+          <a:p>
+            <a:pPr lvl="1"/>
+            <a:r>
+              <a:rPr lang="en-US" dirty="0" smtClean="0"/>
+              <a:t>Then, make some enhancements after the next section:</a:t>
+            </a:r>
+          </a:p>
+          <a:p>
+            <a:pPr lvl="1"/>
+            <a:r>
+              <a:rPr lang="en-US" dirty="0" smtClean="0"/>
+              <a:t>	Add a create popup.</a:t>
+            </a:r>
+          </a:p>
+          <a:p>
+            <a:pPr lvl="1"/>
+            <a:r>
+              <a:rPr lang="en-US" dirty="0" smtClean="0"/>
+              <a:t>	Modify the edit form field factory so that edit can’t change the description.</a:t>
+            </a:r>
             <a:endParaRPr lang="en-US" dirty="0"/>
           </a:p>
         </p:txBody>
@@ -16019,9 +16613,33 @@
           <a:chExt cx="0" cy="0"/>
         </a:xfrm>
       </p:grpSpPr>
-      <p:sp>
-        <p:nvSpPr>
-          <p:cNvPr id="4" name="Title 3"/>
+      <p:pic>
+        <p:nvPicPr>
+          <p:cNvPr id="4" name="Picture Placeholder 3" descr="modules.tiff"/>
+          <p:cNvPicPr>
+            <a:picLocks noGrp="1" noChangeAspect="1"/>
+          </p:cNvPicPr>
+          <p:nvPr>
+            <p:ph type="pic" sz="quarter" idx="10"/>
+          </p:nvPr>
+        </p:nvPicPr>
+        <p:blipFill>
+          <a:blip r:embed="rId2"/>
+          <a:srcRect l="-34649" r="-34649"/>
+          <a:stretch>
+            <a:fillRect/>
+          </a:stretch>
+        </p:blipFill>
+        <p:spPr>
+          <a:xfrm>
+            <a:off x="1905000" y="2286000"/>
+            <a:ext cx="4579680" cy="3435350"/>
+          </a:xfrm>
+        </p:spPr>
+      </p:pic>
+      <p:sp>
+        <p:nvSpPr>
+          <p:cNvPr id="3" name="Title 2"/>
           <p:cNvSpPr>
             <a:spLocks noGrp="1"/>
           </p:cNvSpPr>
@@ -16038,113 +16656,10 @@
               <a:buNone/>
             </a:pPr>
             <a:r>
-              <a:rPr lang="en-US" dirty="0" smtClean="0"/>
-              <a:t>Demo</a:t>
-            </a:r>
-            <a:endParaRPr lang="en-US" dirty="0"/>
-          </a:p>
-        </p:txBody>
-      </p:sp>
-      <p:sp>
-        <p:nvSpPr>
-          <p:cNvPr id="7" name="Content Placeholder 6"/>
-          <p:cNvSpPr>
-            <a:spLocks noGrp="1"/>
-          </p:cNvSpPr>
-          <p:nvPr>
-            <p:ph idx="1"/>
-          </p:nvPr>
-        </p:nvSpPr>
-        <p:spPr/>
-        <p:txBody>
-          <a:bodyPr/>
-          <a:lstStyle/>
-          <a:p>
-            <a:r>
-              <a:rPr lang="en-US" dirty="0" smtClean="0"/>
-              <a:t>Covers</a:t>
-            </a:r>
-          </a:p>
-          <a:p>
-            <a:pPr lvl="1"/>
-            <a:r>
-              <a:rPr lang="en-US" dirty="0" smtClean="0"/>
-              <a:t>Vaadin</a:t>
-            </a:r>
-          </a:p>
-          <a:p>
-            <a:pPr lvl="1"/>
-            <a:r>
-              <a:rPr lang="en-US" dirty="0" smtClean="0"/>
-              <a:t>Guice</a:t>
-            </a:r>
-          </a:p>
-          <a:p>
-            <a:pPr lvl="1"/>
-            <a:r>
-              <a:rPr lang="en-US" dirty="0" smtClean="0"/>
-              <a:t>Event Bus</a:t>
-            </a:r>
-          </a:p>
-          <a:p>
-            <a:pPr lvl="1"/>
-            <a:r>
-              <a:rPr lang="en-US" dirty="0" smtClean="0"/>
-              <a:t>MVP</a:t>
-            </a:r>
-          </a:p>
-          <a:p>
-            <a:pPr lvl="1"/>
-            <a:endParaRPr lang="en-US" dirty="0" smtClean="0"/>
-          </a:p>
-          <a:p>
-            <a:pPr lvl="1"/>
-            <a:r>
-              <a:rPr lang="en-US" dirty="0" smtClean="0">
-                <a:hlinkClick r:id="rId2"/>
-              </a:rPr>
-              <a:t>https://github.com/philbarton/</a:t>
-            </a:r>
-            <a:r>
-              <a:rPr lang="en-US" dirty="0" smtClean="0">
-                <a:hlinkClick r:id="rId2"/>
-              </a:rPr>
-              <a:t>vaadinMVPGuiceJumpStart.git</a:t>
-            </a:r>
-            <a:endParaRPr lang="en-US" dirty="0" smtClean="0"/>
-          </a:p>
-          <a:p>
-            <a:pPr lvl="1"/>
-            <a:endParaRPr lang="en-US" dirty="0" smtClean="0"/>
-          </a:p>
-          <a:p>
-            <a:pPr lvl="1"/>
-            <a:r>
-              <a:rPr lang="en-US" dirty="0" smtClean="0"/>
-              <a:t>We’ll get it up and running now.</a:t>
-            </a:r>
-          </a:p>
-          <a:p>
-            <a:pPr lvl="1"/>
-            <a:r>
-              <a:rPr lang="en-US" dirty="0" smtClean="0"/>
-              <a:t>Then, make some enhancements after the next section:</a:t>
-            </a:r>
-          </a:p>
-          <a:p>
-            <a:pPr lvl="1"/>
-            <a:r>
-              <a:rPr lang="en-US" dirty="0" smtClean="0"/>
-              <a:t>	Add a create popup.</a:t>
-            </a:r>
-          </a:p>
-          <a:p>
-            <a:pPr lvl="1"/>
-            <a:r>
-              <a:rPr lang="en-US" dirty="0" smtClean="0"/>
-              <a:t>	Modify the edit form field factory so that edit can’t change the description.</a:t>
-            </a:r>
-            <a:endParaRPr lang="en-US" dirty="0"/>
+              <a:rPr lang="en-GB" dirty="0" smtClean="0"/>
+              <a:t>Application Design</a:t>
+            </a:r>
+            <a:endParaRPr lang="en-GB" dirty="0"/>
           </a:p>
         </p:txBody>
       </p:sp>
@@ -16153,6 +16668,13 @@
   <p:clrMapOvr>
     <a:masterClrMapping/>
   </p:clrMapOvr>
+  <p:timing>
+    <p:tnLst>
+      <p:par>
+        <p:cTn id="1" dur="indefinite" restart="never" nodeType="tmRoot"/>
+      </p:par>
+    </p:tnLst>
+  </p:timing>
 </p:sld>
 </file>
 
@@ -16283,33 +16805,9 @@
           <a:chExt cx="0" cy="0"/>
         </a:xfrm>
       </p:grpSpPr>
-      <p:pic>
-        <p:nvPicPr>
-          <p:cNvPr id="4" name="Picture Placeholder 3" descr="modules.tiff"/>
-          <p:cNvPicPr>
-            <a:picLocks noGrp="1" noChangeAspect="1"/>
-          </p:cNvPicPr>
-          <p:nvPr>
-            <p:ph type="pic" sz="quarter" idx="10"/>
-          </p:nvPr>
-        </p:nvPicPr>
-        <p:blipFill>
-          <a:blip r:embed="rId2"/>
-          <a:srcRect l="-34649" r="-34649"/>
-          <a:stretch>
-            <a:fillRect/>
-          </a:stretch>
-        </p:blipFill>
-        <p:spPr>
-          <a:xfrm>
-            <a:off x="1905000" y="2286000"/>
-            <a:ext cx="4579680" cy="3435350"/>
-          </a:xfrm>
-        </p:spPr>
-      </p:pic>
-      <p:sp>
-        <p:nvSpPr>
-          <p:cNvPr id="3" name="Title 2"/>
+      <p:sp>
+        <p:nvSpPr>
+          <p:cNvPr id="5" name="Title 4"/>
           <p:cNvSpPr>
             <a:spLocks noGrp="1"/>
           </p:cNvSpPr>
@@ -16322,14 +16820,67 @@
           <a:bodyPr/>
           <a:lstStyle/>
           <a:p>
-            <a:pPr>
-              <a:buNone/>
-            </a:pPr>
-            <a:r>
-              <a:rPr lang="en-GB" dirty="0" smtClean="0"/>
-              <a:t>Application Design</a:t>
-            </a:r>
-            <a:endParaRPr lang="en-GB" dirty="0"/>
+            <a:r>
+              <a:rPr lang="en-US" dirty="0" smtClean="0"/>
+              <a:t>Hosting Vaadin with Seam/JSF</a:t>
+            </a:r>
+            <a:endParaRPr lang="en-US" dirty="0"/>
+          </a:p>
+        </p:txBody>
+      </p:sp>
+      <p:sp>
+        <p:nvSpPr>
+          <p:cNvPr id="6" name="Content Placeholder 5"/>
+          <p:cNvSpPr>
+            <a:spLocks noGrp="1"/>
+          </p:cNvSpPr>
+          <p:nvPr>
+            <p:ph idx="1"/>
+          </p:nvPr>
+        </p:nvSpPr>
+        <p:spPr/>
+        <p:txBody>
+          <a:bodyPr/>
+          <a:lstStyle/>
+          <a:p>
+            <a:r>
+              <a:rPr lang="en-US" dirty="0" smtClean="0"/>
+              <a:t>Application Servlets</a:t>
+            </a:r>
+          </a:p>
+          <a:p>
+            <a:pPr lvl="1"/>
+            <a:r>
+              <a:rPr lang="en-US" dirty="0" smtClean="0"/>
+              <a:t>Web.xml</a:t>
+            </a:r>
+          </a:p>
+          <a:p>
+            <a:r>
+              <a:rPr lang="en-US" dirty="0" smtClean="0"/>
+              <a:t>iFrame</a:t>
+            </a:r>
+          </a:p>
+          <a:p>
+            <a:pPr lvl="1"/>
+            <a:r>
+              <a:rPr lang="en-US" dirty="0" smtClean="0"/>
+              <a:t>financeApplication.xhtml</a:t>
+            </a:r>
+          </a:p>
+          <a:p>
+            <a:r>
+              <a:rPr lang="en-US" dirty="0" smtClean="0"/>
+              <a:t>Menu options - init application.</a:t>
+            </a:r>
+          </a:p>
+          <a:p>
+            <a:pPr lvl="1"/>
+            <a:r>
+              <a:rPr lang="en-US" dirty="0" smtClean="0"/>
+              <a:t>FinanceApplication.java</a:t>
+            </a:r>
+            <a:endParaRPr lang="en-US" dirty="0"/>
           </a:p>
         </p:txBody>
       </p:sp>
@@ -16367,110 +16918,6 @@
       </p:grpSpPr>
       <p:sp>
         <p:nvSpPr>
-          <p:cNvPr id="5" name="Title 4"/>
-          <p:cNvSpPr>
-            <a:spLocks noGrp="1"/>
-          </p:cNvSpPr>
-          <p:nvPr>
-            <p:ph type="title"/>
-          </p:nvPr>
-        </p:nvSpPr>
-        <p:spPr/>
-        <p:txBody>
-          <a:bodyPr/>
-          <a:lstStyle/>
-          <a:p>
-            <a:r>
-              <a:rPr lang="en-US" dirty="0" smtClean="0"/>
-              <a:t>Hosting Vaadin with Seam/JSF</a:t>
-            </a:r>
-            <a:endParaRPr lang="en-US" dirty="0"/>
-          </a:p>
-        </p:txBody>
-      </p:sp>
-      <p:sp>
-        <p:nvSpPr>
-          <p:cNvPr id="6" name="Content Placeholder 5"/>
-          <p:cNvSpPr>
-            <a:spLocks noGrp="1"/>
-          </p:cNvSpPr>
-          <p:nvPr>
-            <p:ph idx="1"/>
-          </p:nvPr>
-        </p:nvSpPr>
-        <p:spPr/>
-        <p:txBody>
-          <a:bodyPr/>
-          <a:lstStyle/>
-          <a:p>
-            <a:r>
-              <a:rPr lang="en-US" dirty="0" smtClean="0"/>
-              <a:t>Application Servlets</a:t>
-            </a:r>
-          </a:p>
-          <a:p>
-            <a:pPr lvl="1"/>
-            <a:r>
-              <a:rPr lang="en-US" dirty="0" smtClean="0"/>
-              <a:t>Web.xml</a:t>
-            </a:r>
-          </a:p>
-          <a:p>
-            <a:r>
-              <a:rPr lang="en-US" dirty="0" smtClean="0"/>
-              <a:t>iFrame</a:t>
-            </a:r>
-          </a:p>
-          <a:p>
-            <a:pPr lvl="1"/>
-            <a:r>
-              <a:rPr lang="en-US" dirty="0" smtClean="0"/>
-              <a:t>financeApplication.xhtml</a:t>
-            </a:r>
-          </a:p>
-          <a:p>
-            <a:r>
-              <a:rPr lang="en-US" dirty="0" smtClean="0"/>
-              <a:t>Menu options - init application.</a:t>
-            </a:r>
-          </a:p>
-          <a:p>
-            <a:pPr lvl="1"/>
-            <a:r>
-              <a:rPr lang="en-US" dirty="0" smtClean="0"/>
-              <a:t>FinanceApplication.java</a:t>
-            </a:r>
-            <a:endParaRPr lang="en-US" dirty="0"/>
-          </a:p>
-        </p:txBody>
-      </p:sp>
-    </p:spTree>
-  </p:cSld>
-  <p:clrMapOvr>
-    <a:masterClrMapping/>
-  </p:clrMapOvr>
-</p:sld>
-</file>
-
-<file path=ppt/slides/slide52.xml><?xml version="1.0" encoding="utf-8"?>
-<p:sld xmlns:a="http://schemas.openxmlformats.org/drawingml/2006/main" xmlns:r="http://schemas.openxmlformats.org/officeDocument/2006/relationships" xmlns:mc="http://schemas.openxmlformats.org/markup-compatibility/2006" xmlns:mv="urn:schemas-microsoft-com:mac:vml" xmlns:p="http://schemas.openxmlformats.org/presentationml/2006/main" mc:Ignorable="mv" mc:PreserveAttributes="mv:*">
-  <p:cSld>
-    <p:spTree>
-      <p:nvGrpSpPr>
-        <p:cNvPr id="1" name=""/>
-        <p:cNvGrpSpPr/>
-        <p:nvPr/>
-      </p:nvGrpSpPr>
-      <p:grpSpPr>
-        <a:xfrm>
-          <a:off x="0" y="0"/>
-          <a:ext cx="0" cy="0"/>
-          <a:chOff x="0" y="0"/>
-          <a:chExt cx="0" cy="0"/>
-        </a:xfrm>
-      </p:grpSpPr>
-      <p:sp>
-        <p:nvSpPr>
           <p:cNvPr id="2" name="Title 1"/>
           <p:cNvSpPr>
             <a:spLocks noGrp="1"/>
@@ -16683,6 +17130,9 @@
   <p:clrMapOvr>
     <a:masterClrMapping/>
   </p:clrMapOvr>
+  <p:transition>
+    <p:fade/>
+  </p:transition>
   <p:timing>
     <p:tnLst>
       <p:par>
